--- a/恩典之路(崇拜版).pptx
+++ b/恩典之路(崇拜版).pptx
@@ -8,7 +8,7 @@
     <p:sldId id="256" r:id="rId2"/>
     <p:sldId id="257" r:id="rId3"/>
   </p:sldIdLst>
-  <p:sldSz cx="9144000" cy="6858000" type="screen4x3"/>
+  <p:sldSz cx="12192000" cy="6858000"/>
   <p:notesSz cx="6858000" cy="9144000"/>
   <p:defaultTextStyle>
     <a:defPPr>
@@ -105,6 +105,22 @@
       </a:defRPr>
     </a:lvl9pPr>
   </p:defaultTextStyle>
+  <p:extLst>
+    <p:ext uri="{EFAFB233-063F-42B5-8137-9DF3F51BA10A}">
+      <p15:sldGuideLst xmlns:p15="http://schemas.microsoft.com/office/powerpoint/2012/main">
+        <p15:guide id="1" orient="horz" pos="2160" userDrawn="1">
+          <p15:clr>
+            <a:srgbClr val="A4A3A4"/>
+          </p15:clr>
+        </p15:guide>
+        <p15:guide id="2" pos="3840" userDrawn="1">
+          <p15:clr>
+            <a:srgbClr val="A4A3A4"/>
+          </p15:clr>
+        </p15:guide>
+      </p15:sldGuideLst>
+    </p:ext>
+  </p:extLst>
 </p:presentation>
 </file>
 
@@ -137,8 +153,8 @@
         </p:nvSpPr>
         <p:spPr>
           <a:xfrm>
-            <a:off x="685800" y="2130425"/>
-            <a:ext cx="7772400" cy="1470025"/>
+            <a:off x="914400" y="2130426"/>
+            <a:ext cx="10363200" cy="1470025"/>
           </a:xfrm>
         </p:spPr>
         <p:txBody>
@@ -165,8 +181,8 @@
         </p:nvSpPr>
         <p:spPr>
           <a:xfrm>
-            <a:off x="1371600" y="3886200"/>
-            <a:ext cx="6400800" cy="1752600"/>
+            <a:off x="1828800" y="3886200"/>
+            <a:ext cx="8534400" cy="1752600"/>
           </a:xfrm>
         </p:spPr>
         <p:txBody>
@@ -289,7 +305,7 @@
           <a:p>
             <a:fld id="{765300D3-A451-4EDE-8AEC-0036519A0ACE}" type="datetimeFigureOut">
               <a:rPr lang="zh-TW" altLang="en-US" smtClean="0"/>
-              <a:t>2018/2/10</a:t>
+              <a:t>2019/11/30</a:t>
             </a:fld>
             <a:endParaRPr lang="zh-TW" altLang="en-US"/>
           </a:p>
@@ -454,7 +470,7 @@
           <a:p>
             <a:fld id="{765300D3-A451-4EDE-8AEC-0036519A0ACE}" type="datetimeFigureOut">
               <a:rPr lang="zh-TW" altLang="en-US" smtClean="0"/>
-              <a:t>2018/2/10</a:t>
+              <a:t>2019/11/30</a:t>
             </a:fld>
             <a:endParaRPr lang="zh-TW" altLang="en-US"/>
           </a:p>
@@ -539,8 +555,8 @@
         </p:nvSpPr>
         <p:spPr>
           <a:xfrm>
-            <a:off x="6629400" y="274638"/>
-            <a:ext cx="2057400" cy="5851525"/>
+            <a:off x="8839200" y="274639"/>
+            <a:ext cx="2743200" cy="5851525"/>
           </a:xfrm>
         </p:spPr>
         <p:txBody>
@@ -567,8 +583,8 @@
         </p:nvSpPr>
         <p:spPr>
           <a:xfrm>
-            <a:off x="457200" y="274638"/>
-            <a:ext cx="6019800" cy="5851525"/>
+            <a:off x="609600" y="274639"/>
+            <a:ext cx="8026400" cy="5851525"/>
           </a:xfrm>
         </p:spPr>
         <p:txBody>
@@ -629,7 +645,7 @@
           <a:p>
             <a:fld id="{765300D3-A451-4EDE-8AEC-0036519A0ACE}" type="datetimeFigureOut">
               <a:rPr lang="zh-TW" altLang="en-US" smtClean="0"/>
-              <a:t>2018/2/10</a:t>
+              <a:t>2019/11/30</a:t>
             </a:fld>
             <a:endParaRPr lang="zh-TW" altLang="en-US"/>
           </a:p>
@@ -794,7 +810,7 @@
           <a:p>
             <a:fld id="{765300D3-A451-4EDE-8AEC-0036519A0ACE}" type="datetimeFigureOut">
               <a:rPr lang="zh-TW" altLang="en-US" smtClean="0"/>
-              <a:t>2018/2/10</a:t>
+              <a:t>2019/11/30</a:t>
             </a:fld>
             <a:endParaRPr lang="zh-TW" altLang="en-US"/>
           </a:p>
@@ -879,8 +895,8 @@
         </p:nvSpPr>
         <p:spPr>
           <a:xfrm>
-            <a:off x="722313" y="4406900"/>
-            <a:ext cx="7772400" cy="1362075"/>
+            <a:off x="963084" y="4406901"/>
+            <a:ext cx="10363200" cy="1362075"/>
           </a:xfrm>
         </p:spPr>
         <p:txBody>
@@ -911,8 +927,8 @@
         </p:nvSpPr>
         <p:spPr>
           <a:xfrm>
-            <a:off x="722313" y="2906713"/>
-            <a:ext cx="7772400" cy="1500187"/>
+            <a:off x="963084" y="2906713"/>
+            <a:ext cx="10363200" cy="1500187"/>
           </a:xfrm>
         </p:spPr>
         <p:txBody>
@@ -1035,7 +1051,7 @@
           <a:p>
             <a:fld id="{765300D3-A451-4EDE-8AEC-0036519A0ACE}" type="datetimeFigureOut">
               <a:rPr lang="zh-TW" altLang="en-US" smtClean="0"/>
-              <a:t>2018/2/10</a:t>
+              <a:t>2019/11/30</a:t>
             </a:fld>
             <a:endParaRPr lang="zh-TW" altLang="en-US"/>
           </a:p>
@@ -1143,8 +1159,8 @@
         </p:nvSpPr>
         <p:spPr>
           <a:xfrm>
-            <a:off x="457200" y="1600200"/>
-            <a:ext cx="4038600" cy="4525963"/>
+            <a:off x="609600" y="1600201"/>
+            <a:ext cx="5384800" cy="4525963"/>
           </a:xfrm>
         </p:spPr>
         <p:txBody>
@@ -1228,8 +1244,8 @@
         </p:nvSpPr>
         <p:spPr>
           <a:xfrm>
-            <a:off x="4648200" y="1600200"/>
-            <a:ext cx="4038600" cy="4525963"/>
+            <a:off x="6197600" y="1600201"/>
+            <a:ext cx="5384800" cy="4525963"/>
           </a:xfrm>
         </p:spPr>
         <p:txBody>
@@ -1318,7 +1334,7 @@
           <a:p>
             <a:fld id="{765300D3-A451-4EDE-8AEC-0036519A0ACE}" type="datetimeFigureOut">
               <a:rPr lang="zh-TW" altLang="en-US" smtClean="0"/>
-              <a:t>2018/2/10</a:t>
+              <a:t>2019/11/30</a:t>
             </a:fld>
             <a:endParaRPr lang="zh-TW" altLang="en-US"/>
           </a:p>
@@ -1430,8 +1446,8 @@
         </p:nvSpPr>
         <p:spPr>
           <a:xfrm>
-            <a:off x="457200" y="1535113"/>
-            <a:ext cx="4040188" cy="639762"/>
+            <a:off x="609600" y="1535113"/>
+            <a:ext cx="5386917" cy="639762"/>
           </a:xfrm>
         </p:spPr>
         <p:txBody>
@@ -1495,8 +1511,8 @@
         </p:nvSpPr>
         <p:spPr>
           <a:xfrm>
-            <a:off x="457200" y="2174875"/>
-            <a:ext cx="4040188" cy="3951288"/>
+            <a:off x="609600" y="2174875"/>
+            <a:ext cx="5386917" cy="3951288"/>
           </a:xfrm>
         </p:spPr>
         <p:txBody>
@@ -1580,8 +1596,8 @@
         </p:nvSpPr>
         <p:spPr>
           <a:xfrm>
-            <a:off x="4645025" y="1535113"/>
-            <a:ext cx="4041775" cy="639762"/>
+            <a:off x="6193368" y="1535113"/>
+            <a:ext cx="5389033" cy="639762"/>
           </a:xfrm>
         </p:spPr>
         <p:txBody>
@@ -1645,8 +1661,8 @@
         </p:nvSpPr>
         <p:spPr>
           <a:xfrm>
-            <a:off x="4645025" y="2174875"/>
-            <a:ext cx="4041775" cy="3951288"/>
+            <a:off x="6193368" y="2174875"/>
+            <a:ext cx="5389033" cy="3951288"/>
           </a:xfrm>
         </p:spPr>
         <p:txBody>
@@ -1735,7 +1751,7 @@
           <a:p>
             <a:fld id="{765300D3-A451-4EDE-8AEC-0036519A0ACE}" type="datetimeFigureOut">
               <a:rPr lang="zh-TW" altLang="en-US" smtClean="0"/>
-              <a:t>2018/2/10</a:t>
+              <a:t>2019/11/30</a:t>
             </a:fld>
             <a:endParaRPr lang="zh-TW" altLang="en-US"/>
           </a:p>
@@ -1848,7 +1864,7 @@
           <a:p>
             <a:fld id="{765300D3-A451-4EDE-8AEC-0036519A0ACE}" type="datetimeFigureOut">
               <a:rPr lang="zh-TW" altLang="en-US" smtClean="0"/>
-              <a:t>2018/2/10</a:t>
+              <a:t>2019/11/30</a:t>
             </a:fld>
             <a:endParaRPr lang="zh-TW" altLang="en-US"/>
           </a:p>
@@ -1938,7 +1954,7 @@
           <a:p>
             <a:fld id="{765300D3-A451-4EDE-8AEC-0036519A0ACE}" type="datetimeFigureOut">
               <a:rPr lang="zh-TW" altLang="en-US" smtClean="0"/>
-              <a:t>2018/2/10</a:t>
+              <a:t>2019/11/30</a:t>
             </a:fld>
             <a:endParaRPr lang="zh-TW" altLang="en-US"/>
           </a:p>
@@ -2023,8 +2039,8 @@
         </p:nvSpPr>
         <p:spPr>
           <a:xfrm>
-            <a:off x="457200" y="273050"/>
-            <a:ext cx="3008313" cy="1162050"/>
+            <a:off x="609601" y="273050"/>
+            <a:ext cx="4011084" cy="1162050"/>
           </a:xfrm>
         </p:spPr>
         <p:txBody>
@@ -2055,8 +2071,8 @@
         </p:nvSpPr>
         <p:spPr>
           <a:xfrm>
-            <a:off x="3575050" y="273050"/>
-            <a:ext cx="5111750" cy="5853113"/>
+            <a:off x="4766733" y="273051"/>
+            <a:ext cx="6815667" cy="5853113"/>
           </a:xfrm>
         </p:spPr>
         <p:txBody>
@@ -2140,8 +2156,8 @@
         </p:nvSpPr>
         <p:spPr>
           <a:xfrm>
-            <a:off x="457200" y="1435100"/>
-            <a:ext cx="3008313" cy="4691063"/>
+            <a:off x="609601" y="1435101"/>
+            <a:ext cx="4011084" cy="4691063"/>
           </a:xfrm>
         </p:spPr>
         <p:txBody>
@@ -2210,7 +2226,7 @@
           <a:p>
             <a:fld id="{765300D3-A451-4EDE-8AEC-0036519A0ACE}" type="datetimeFigureOut">
               <a:rPr lang="zh-TW" altLang="en-US" smtClean="0"/>
-              <a:t>2018/2/10</a:t>
+              <a:t>2019/11/30</a:t>
             </a:fld>
             <a:endParaRPr lang="zh-TW" altLang="en-US"/>
           </a:p>
@@ -2295,8 +2311,8 @@
         </p:nvSpPr>
         <p:spPr>
           <a:xfrm>
-            <a:off x="1792288" y="4800600"/>
-            <a:ext cx="5486400" cy="566738"/>
+            <a:off x="2389717" y="4800600"/>
+            <a:ext cx="7315200" cy="566738"/>
           </a:xfrm>
         </p:spPr>
         <p:txBody>
@@ -2327,8 +2343,8 @@
         </p:nvSpPr>
         <p:spPr>
           <a:xfrm>
-            <a:off x="1792288" y="612775"/>
-            <a:ext cx="5486400" cy="4114800"/>
+            <a:off x="2389717" y="612775"/>
+            <a:ext cx="7315200" cy="4114800"/>
           </a:xfrm>
         </p:spPr>
         <p:txBody>
@@ -2392,8 +2408,8 @@
         </p:nvSpPr>
         <p:spPr>
           <a:xfrm>
-            <a:off x="1792288" y="5367338"/>
-            <a:ext cx="5486400" cy="804862"/>
+            <a:off x="2389717" y="5367338"/>
+            <a:ext cx="7315200" cy="804862"/>
           </a:xfrm>
         </p:spPr>
         <p:txBody>
@@ -2462,7 +2478,7 @@
           <a:p>
             <a:fld id="{765300D3-A451-4EDE-8AEC-0036519A0ACE}" type="datetimeFigureOut">
               <a:rPr lang="zh-TW" altLang="en-US" smtClean="0"/>
-              <a:t>2018/2/10</a:t>
+              <a:t>2019/11/30</a:t>
             </a:fld>
             <a:endParaRPr lang="zh-TW" altLang="en-US"/>
           </a:p>
@@ -2557,8 +2573,8 @@
         </p:nvSpPr>
         <p:spPr>
           <a:xfrm>
-            <a:off x="457200" y="274638"/>
-            <a:ext cx="8229600" cy="1143000"/>
+            <a:off x="609600" y="274638"/>
+            <a:ext cx="10972800" cy="1143000"/>
           </a:xfrm>
           <a:prstGeom prst="rect">
             <a:avLst/>
@@ -2590,8 +2606,8 @@
         </p:nvSpPr>
         <p:spPr>
           <a:xfrm>
-            <a:off x="457200" y="1600200"/>
-            <a:ext cx="8229600" cy="4525963"/>
+            <a:off x="609600" y="1600201"/>
+            <a:ext cx="10972800" cy="4525963"/>
           </a:xfrm>
           <a:prstGeom prst="rect">
             <a:avLst/>
@@ -2652,8 +2668,8 @@
         </p:nvSpPr>
         <p:spPr>
           <a:xfrm>
-            <a:off x="457200" y="6356350"/>
-            <a:ext cx="2133600" cy="365125"/>
+            <a:off x="609600" y="6356351"/>
+            <a:ext cx="2844800" cy="365125"/>
           </a:xfrm>
           <a:prstGeom prst="rect">
             <a:avLst/>
@@ -2675,7 +2691,7 @@
           <a:p>
             <a:fld id="{765300D3-A451-4EDE-8AEC-0036519A0ACE}" type="datetimeFigureOut">
               <a:rPr lang="zh-TW" altLang="en-US" smtClean="0"/>
-              <a:t>2018/2/10</a:t>
+              <a:t>2019/11/30</a:t>
             </a:fld>
             <a:endParaRPr lang="zh-TW" altLang="en-US"/>
           </a:p>
@@ -2693,8 +2709,8 @@
         </p:nvSpPr>
         <p:spPr>
           <a:xfrm>
-            <a:off x="3124200" y="6356350"/>
-            <a:ext cx="2895600" cy="365125"/>
+            <a:off x="4165600" y="6356351"/>
+            <a:ext cx="3860800" cy="365125"/>
           </a:xfrm>
           <a:prstGeom prst="rect">
             <a:avLst/>
@@ -2730,8 +2746,8 @@
         </p:nvSpPr>
         <p:spPr>
           <a:xfrm>
-            <a:off x="6553200" y="6356350"/>
-            <a:ext cx="2133600" cy="365125"/>
+            <a:off x="8737600" y="6356351"/>
+            <a:ext cx="2844800" cy="365125"/>
           </a:xfrm>
           <a:prstGeom prst="rect">
             <a:avLst/>
@@ -3092,7 +3108,7 @@
         </p:nvSpPr>
         <p:spPr>
           <a:xfrm>
-            <a:off x="0" y="1600200"/>
+            <a:off x="1524000" y="1600201"/>
             <a:ext cx="9144000" cy="4525963"/>
           </a:xfrm>
         </p:spPr>
@@ -3116,7 +3132,7 @@
               <a:t>你是我的</a:t>
             </a:r>
             <a:r>
-              <a:rPr lang="zh-TW" altLang="en-US" sz="5400" b="1" dirty="0" smtClean="0">
+              <a:rPr lang="zh-TW" altLang="en-US" sz="5400" b="1" dirty="0">
                 <a:solidFill>
                   <a:srgbClr val="000066"/>
                 </a:solidFill>
@@ -3126,7 +3142,7 @@
               <a:t>主</a:t>
             </a:r>
             <a:r>
-              <a:rPr lang="en-US" altLang="zh-TW" sz="5400" b="1" dirty="0" smtClean="0">
+              <a:rPr lang="en-US" altLang="zh-TW" sz="5400" b="1" dirty="0">
                 <a:solidFill>
                   <a:srgbClr val="000066"/>
                 </a:solidFill>
@@ -3136,7 +3152,7 @@
               <a:t>  </a:t>
             </a:r>
             <a:r>
-              <a:rPr lang="zh-TW" altLang="en-US" sz="5400" b="1" dirty="0" smtClean="0">
+              <a:rPr lang="zh-TW" altLang="en-US" sz="5400" b="1" dirty="0">
                 <a:solidFill>
                   <a:srgbClr val="000066"/>
                 </a:solidFill>
@@ -3156,7 +3172,7 @@
               <a:t>我走</a:t>
             </a:r>
             <a:r>
-              <a:rPr lang="zh-TW" altLang="en-US" sz="5400" b="1" dirty="0" smtClean="0">
+              <a:rPr lang="zh-TW" altLang="en-US" sz="5400" b="1" dirty="0">
                 <a:solidFill>
                   <a:srgbClr val="000066"/>
                 </a:solidFill>
@@ -3178,7 +3194,7 @@
               <a:buNone/>
             </a:pPr>
             <a:r>
-              <a:rPr lang="zh-TW" altLang="en-US" sz="5400" b="1" dirty="0" smtClean="0">
+              <a:rPr lang="zh-TW" altLang="en-US" sz="5400" b="1" dirty="0">
                 <a:solidFill>
                   <a:srgbClr val="000066"/>
                 </a:solidFill>
@@ -3198,7 +3214,7 @@
               <a:t>或</a:t>
             </a:r>
             <a:r>
-              <a:rPr lang="zh-TW" altLang="en-US" sz="5400" b="1" dirty="0" smtClean="0">
+              <a:rPr lang="zh-TW" altLang="en-US" sz="5400" b="1" dirty="0">
                 <a:solidFill>
                   <a:srgbClr val="000066"/>
                 </a:solidFill>
@@ -3208,7 +3224,7 @@
               <a:t>低谷</a:t>
             </a:r>
             <a:r>
-              <a:rPr lang="en-US" altLang="zh-TW" sz="5400" b="1" dirty="0" smtClean="0">
+              <a:rPr lang="en-US" altLang="zh-TW" sz="5400" b="1" dirty="0">
                 <a:solidFill>
                   <a:srgbClr val="000066"/>
                 </a:solidFill>
@@ -3218,7 +3234,7 @@
               <a:t>  </a:t>
             </a:r>
             <a:r>
-              <a:rPr lang="zh-TW" altLang="en-US" sz="5400" b="1" dirty="0" smtClean="0">
+              <a:rPr lang="zh-TW" altLang="en-US" sz="5400" b="1" dirty="0">
                 <a:solidFill>
                   <a:srgbClr val="000066"/>
                 </a:solidFill>
@@ -3238,7 +3254,7 @@
               <a:t>是你在</a:t>
             </a:r>
             <a:r>
-              <a:rPr lang="zh-TW" altLang="en-US" sz="5400" b="1" dirty="0" smtClean="0">
+              <a:rPr lang="zh-TW" altLang="en-US" sz="5400" b="1" dirty="0">
                 <a:solidFill>
                   <a:srgbClr val="000066"/>
                 </a:solidFill>
@@ -3260,7 +3276,7 @@
               <a:buNone/>
             </a:pPr>
             <a:r>
-              <a:rPr lang="zh-TW" altLang="en-US" sz="5400" b="1" dirty="0" smtClean="0">
+              <a:rPr lang="zh-TW" altLang="en-US" sz="5400" b="1" dirty="0">
                 <a:solidFill>
                   <a:srgbClr val="000066"/>
                 </a:solidFill>
@@ -3270,7 +3286,7 @@
               <a:t>萬人中唯獨</a:t>
             </a:r>
             <a:r>
-              <a:rPr lang="en-US" altLang="zh-TW" sz="5400" b="1" dirty="0" smtClean="0">
+              <a:rPr lang="en-US" altLang="zh-TW" sz="5400" b="1" dirty="0">
                 <a:solidFill>
                   <a:srgbClr val="000066"/>
                 </a:solidFill>
@@ -3280,7 +3296,7 @@
               <a:t>  </a:t>
             </a:r>
             <a:r>
-              <a:rPr lang="zh-TW" altLang="en-US" sz="5400" b="1" dirty="0" smtClean="0">
+              <a:rPr lang="zh-TW" altLang="en-US" sz="5400" b="1" dirty="0">
                 <a:solidFill>
                   <a:srgbClr val="000066"/>
                 </a:solidFill>
@@ -3300,7 +3316,7 @@
               <a:t>愛我認識</a:t>
             </a:r>
             <a:r>
-              <a:rPr lang="zh-TW" altLang="en-US" sz="5400" b="1" dirty="0" smtClean="0">
+              <a:rPr lang="zh-TW" altLang="en-US" sz="5400" b="1" dirty="0">
                 <a:solidFill>
                   <a:srgbClr val="000066"/>
                 </a:solidFill>
@@ -3322,7 +3338,7 @@
               <a:buNone/>
             </a:pPr>
             <a:r>
-              <a:rPr lang="zh-TW" altLang="en-US" sz="5400" b="1" dirty="0" smtClean="0">
+              <a:rPr lang="zh-TW" altLang="en-US" sz="5400" b="1" dirty="0">
                 <a:solidFill>
                   <a:srgbClr val="000066"/>
                 </a:solidFill>
@@ -3342,7 +3358,7 @@
               <a:t>不變的</a:t>
             </a:r>
             <a:r>
-              <a:rPr lang="zh-TW" altLang="en-US" sz="5400" b="1" dirty="0" smtClean="0">
+              <a:rPr lang="zh-TW" altLang="en-US" sz="5400" b="1" dirty="0">
                 <a:solidFill>
                   <a:srgbClr val="000066"/>
                 </a:solidFill>
@@ -3364,7 +3380,7 @@
               <a:buNone/>
             </a:pPr>
             <a:r>
-              <a:rPr lang="zh-TW" altLang="en-US" sz="5400" b="1" dirty="0" smtClean="0">
+              <a:rPr lang="zh-TW" altLang="en-US" sz="5400" b="1" dirty="0">
                 <a:solidFill>
                   <a:srgbClr val="000066"/>
                 </a:solidFill>
@@ -3384,7 +3400,7 @@
               <a:t>一生都是</a:t>
             </a:r>
             <a:r>
-              <a:rPr lang="zh-TW" altLang="en-US" sz="5400" b="1" dirty="0" smtClean="0">
+              <a:rPr lang="zh-TW" altLang="en-US" sz="5400" b="1" dirty="0">
                 <a:solidFill>
                   <a:srgbClr val="000066"/>
                 </a:solidFill>
@@ -3475,7 +3491,7 @@
         </p:nvSpPr>
         <p:spPr>
           <a:xfrm>
-            <a:off x="0" y="1600200"/>
+            <a:off x="1524000" y="1600201"/>
             <a:ext cx="9144000" cy="4525963"/>
           </a:xfrm>
         </p:spPr>
@@ -3489,7 +3505,7 @@
               <a:buNone/>
             </a:pPr>
             <a:r>
-              <a:rPr lang="zh-TW" altLang="en-US" sz="5400" b="1" dirty="0" smtClean="0">
+              <a:rPr lang="zh-TW" altLang="en-US" sz="5400" b="1" dirty="0">
                 <a:solidFill>
                   <a:srgbClr val="000066"/>
                 </a:solidFill>
@@ -3499,7 +3515,7 @@
               <a:t>一步又一步</a:t>
             </a:r>
             <a:r>
-              <a:rPr lang="en-US" altLang="zh-TW" sz="5400" b="1" dirty="0" smtClean="0">
+              <a:rPr lang="en-US" altLang="zh-TW" sz="5400" b="1" dirty="0">
                 <a:solidFill>
                   <a:srgbClr val="000066"/>
                 </a:solidFill>
@@ -3509,7 +3525,7 @@
               <a:t>  </a:t>
             </a:r>
             <a:r>
-              <a:rPr lang="zh-TW" altLang="en-US" sz="5400" b="1" dirty="0" smtClean="0">
+              <a:rPr lang="zh-TW" altLang="en-US" sz="5400" b="1" dirty="0">
                 <a:solidFill>
                   <a:srgbClr val="000066"/>
                 </a:solidFill>
@@ -3518,7 +3534,7 @@
               </a:rPr>
               <a:t>這是恩典之路</a:t>
             </a:r>
-            <a:endParaRPr lang="en-US" altLang="zh-TW" sz="5400" b="1" dirty="0" smtClean="0">
+            <a:endParaRPr lang="en-US" altLang="zh-TW" sz="5400" b="1" dirty="0">
               <a:solidFill>
                 <a:srgbClr val="000066"/>
               </a:solidFill>
@@ -3531,27 +3547,17 @@
               <a:buNone/>
             </a:pPr>
             <a:r>
-              <a:rPr lang="zh-TW" altLang="en-US" sz="5400" b="1" dirty="0" smtClean="0">
-                <a:solidFill>
-                  <a:srgbClr val="000066"/>
-                </a:solidFill>
-                <a:latin typeface="微軟正黑體" pitchFamily="34" charset="-120"/>
-                <a:ea typeface="微軟正黑體" pitchFamily="34" charset="-120"/>
-              </a:rPr>
-              <a:t>你</a:t>
-            </a:r>
-            <a:r>
-              <a:rPr lang="zh-TW" altLang="en-US" sz="5400" b="1" dirty="0" smtClean="0">
-                <a:solidFill>
-                  <a:srgbClr val="000066"/>
-                </a:solidFill>
-                <a:latin typeface="微軟正黑體" pitchFamily="34" charset="-120"/>
-                <a:ea typeface="微軟正黑體" pitchFamily="34" charset="-120"/>
-              </a:rPr>
-              <a:t>愛</a:t>
-            </a:r>
-            <a:r>
-              <a:rPr lang="en-US" altLang="zh-TW" sz="5400" b="1" dirty="0" smtClean="0">
+              <a:rPr lang="zh-TW" altLang="en-US" sz="5400" b="1" dirty="0">
+                <a:solidFill>
+                  <a:srgbClr val="000066"/>
+                </a:solidFill>
+                <a:latin typeface="微軟正黑體" pitchFamily="34" charset="-120"/>
+                <a:ea typeface="微軟正黑體" pitchFamily="34" charset="-120"/>
+              </a:rPr>
+              <a:t>你愛</a:t>
+            </a:r>
+            <a:r>
+              <a:rPr lang="en-US" altLang="zh-TW" sz="5400" b="1" dirty="0">
                 <a:solidFill>
                   <a:srgbClr val="000066"/>
                 </a:solidFill>
@@ -3561,27 +3567,17 @@
               <a:t>  </a:t>
             </a:r>
             <a:r>
-              <a:rPr lang="zh-TW" altLang="en-US" sz="5400" b="1" dirty="0" smtClean="0">
-                <a:solidFill>
-                  <a:srgbClr val="000066"/>
-                </a:solidFill>
-                <a:latin typeface="微軟正黑體" pitchFamily="34" charset="-120"/>
-                <a:ea typeface="微軟正黑體" pitchFamily="34" charset="-120"/>
-              </a:rPr>
-              <a:t>你</a:t>
-            </a:r>
-            <a:r>
-              <a:rPr lang="zh-TW" altLang="en-US" sz="5400" b="1" dirty="0" smtClean="0">
-                <a:solidFill>
-                  <a:srgbClr val="000066"/>
-                </a:solidFill>
-                <a:latin typeface="微軟正黑體" pitchFamily="34" charset="-120"/>
-                <a:ea typeface="微軟正黑體" pitchFamily="34" charset="-120"/>
-              </a:rPr>
-              <a:t>手</a:t>
-            </a:r>
-            <a:r>
-              <a:rPr lang="en-US" altLang="zh-TW" sz="5400" b="1" dirty="0" smtClean="0">
+              <a:rPr lang="zh-TW" altLang="en-US" sz="5400" b="1" dirty="0">
+                <a:solidFill>
+                  <a:srgbClr val="000066"/>
+                </a:solidFill>
+                <a:latin typeface="微軟正黑體" pitchFamily="34" charset="-120"/>
+                <a:ea typeface="微軟正黑體" pitchFamily="34" charset="-120"/>
+              </a:rPr>
+              <a:t>你手</a:t>
+            </a:r>
+            <a:r>
+              <a:rPr lang="en-US" altLang="zh-TW" sz="5400" b="1" dirty="0">
                 <a:solidFill>
                   <a:srgbClr val="000066"/>
                 </a:solidFill>
@@ -3591,7 +3587,7 @@
               <a:t>  </a:t>
             </a:r>
             <a:r>
-              <a:rPr lang="zh-TW" altLang="en-US" sz="5400" b="1" dirty="0" smtClean="0">
+              <a:rPr lang="zh-TW" altLang="en-US" sz="5400" b="1" dirty="0">
                 <a:solidFill>
                   <a:srgbClr val="000066"/>
                 </a:solidFill>
@@ -3600,7 +3596,7 @@
               </a:rPr>
               <a:t>將我緊緊抓住</a:t>
             </a:r>
-            <a:endParaRPr lang="en-US" altLang="zh-TW" sz="5400" b="1" dirty="0" smtClean="0">
+            <a:endParaRPr lang="en-US" altLang="zh-TW" sz="5400" b="1" dirty="0">
               <a:solidFill>
                 <a:srgbClr val="000066"/>
               </a:solidFill>
@@ -3613,7 +3609,7 @@
               <a:buNone/>
             </a:pPr>
             <a:r>
-              <a:rPr lang="zh-TW" altLang="en-US" sz="5400" b="1" dirty="0" smtClean="0">
+              <a:rPr lang="zh-TW" altLang="en-US" sz="5400" b="1" dirty="0">
                 <a:solidFill>
                   <a:srgbClr val="000066"/>
                 </a:solidFill>
@@ -3623,7 +3619,7 @@
               <a:t>一步又一步</a:t>
             </a:r>
             <a:r>
-              <a:rPr lang="en-US" altLang="zh-TW" sz="5400" b="1" dirty="0" smtClean="0">
+              <a:rPr lang="en-US" altLang="zh-TW" sz="5400" b="1" dirty="0">
                 <a:solidFill>
                   <a:srgbClr val="000066"/>
                 </a:solidFill>
@@ -3633,7 +3629,7 @@
               <a:t>  </a:t>
             </a:r>
             <a:r>
-              <a:rPr lang="zh-TW" altLang="en-US" sz="5400" b="1" dirty="0" smtClean="0">
+              <a:rPr lang="zh-TW" altLang="en-US" sz="5400" b="1" dirty="0">
                 <a:solidFill>
                   <a:srgbClr val="000066"/>
                 </a:solidFill>
@@ -3642,7 +3638,7 @@
               </a:rPr>
               <a:t>這是盼望之路</a:t>
             </a:r>
-            <a:endParaRPr lang="en-US" altLang="zh-TW" sz="5400" b="1" dirty="0" smtClean="0">
+            <a:endParaRPr lang="en-US" altLang="zh-TW" sz="5400" b="1" dirty="0">
               <a:solidFill>
                 <a:srgbClr val="000066"/>
               </a:solidFill>
@@ -3655,7 +3651,7 @@
               <a:buNone/>
             </a:pPr>
             <a:r>
-              <a:rPr lang="zh-TW" altLang="en-US" sz="5400" b="1" dirty="0" smtClean="0">
+              <a:rPr lang="zh-TW" altLang="en-US" sz="5400" b="1" dirty="0">
                 <a:solidFill>
                   <a:srgbClr val="000066"/>
                 </a:solidFill>
@@ -3665,7 +3661,7 @@
               <a:t>你愛</a:t>
             </a:r>
             <a:r>
-              <a:rPr lang="en-US" altLang="zh-TW" sz="5400" b="1" dirty="0" smtClean="0">
+              <a:rPr lang="en-US" altLang="zh-TW" sz="5400" b="1" dirty="0">
                 <a:solidFill>
                   <a:srgbClr val="000066"/>
                 </a:solidFill>
@@ -3675,7 +3671,7 @@
               <a:t>  </a:t>
             </a:r>
             <a:r>
-              <a:rPr lang="zh-TW" altLang="en-US" sz="5400" b="1" dirty="0" smtClean="0">
+              <a:rPr lang="zh-TW" altLang="en-US" sz="5400" b="1" dirty="0">
                 <a:solidFill>
                   <a:srgbClr val="000066"/>
                 </a:solidFill>
@@ -3685,7 +3681,7 @@
               <a:t>你手</a:t>
             </a:r>
             <a:r>
-              <a:rPr lang="en-US" altLang="zh-TW" sz="5400" b="1" dirty="0" smtClean="0">
+              <a:rPr lang="en-US" altLang="zh-TW" sz="5400" b="1" dirty="0">
                 <a:solidFill>
                   <a:srgbClr val="000066"/>
                 </a:solidFill>
@@ -3695,7 +3691,7 @@
               <a:t>  </a:t>
             </a:r>
             <a:r>
-              <a:rPr lang="zh-TW" altLang="en-US" sz="5400" b="1" dirty="0" smtClean="0">
+              <a:rPr lang="zh-TW" altLang="en-US" sz="5400" b="1" dirty="0">
                 <a:solidFill>
                   <a:srgbClr val="000066"/>
                 </a:solidFill>

--- a/恩典之路(崇拜版).pptx
+++ b/恩典之路(崇拜版).pptx
@@ -8,7 +8,7 @@
     <p:sldId id="256" r:id="rId2"/>
     <p:sldId id="257" r:id="rId3"/>
   </p:sldIdLst>
-  <p:sldSz cx="9144000" cy="6858000" type="screen4x3"/>
+  <p:sldSz cx="9144000" cy="5143500" type="screen16x9"/>
   <p:notesSz cx="6858000" cy="9144000"/>
   <p:defaultTextStyle>
     <a:defPPr>
@@ -137,8 +137,8 @@
         </p:nvSpPr>
         <p:spPr>
           <a:xfrm>
-            <a:off x="685800" y="2130425"/>
-            <a:ext cx="7772400" cy="1470025"/>
+            <a:off x="685800" y="1597819"/>
+            <a:ext cx="7772400" cy="1102519"/>
           </a:xfrm>
         </p:spPr>
         <p:txBody>
@@ -165,8 +165,8 @@
         </p:nvSpPr>
         <p:spPr>
           <a:xfrm>
-            <a:off x="1371600" y="3886200"/>
-            <a:ext cx="6400800" cy="1752600"/>
+            <a:off x="1371600" y="2914650"/>
+            <a:ext cx="6400800" cy="1314450"/>
           </a:xfrm>
         </p:spPr>
         <p:txBody>
@@ -289,7 +289,8 @@
           <a:p>
             <a:fld id="{765300D3-A451-4EDE-8AEC-0036519A0ACE}" type="datetimeFigureOut">
               <a:rPr lang="zh-TW" altLang="en-US" smtClean="0"/>
-              <a:t>2018/2/10</a:t>
+              <a:pPr/>
+              <a:t>2019/11/26</a:t>
             </a:fld>
             <a:endParaRPr lang="zh-TW" altLang="en-US"/>
           </a:p>
@@ -331,6 +332,7 @@
           <a:p>
             <a:fld id="{8B8FA89F-1712-462A-9011-EE95F5B8AB35}" type="slidenum">
               <a:rPr lang="zh-TW" altLang="en-US" smtClean="0"/>
+              <a:pPr/>
               <a:t>‹#›</a:t>
             </a:fld>
             <a:endParaRPr lang="zh-TW" altLang="en-US"/>
@@ -454,7 +456,8 @@
           <a:p>
             <a:fld id="{765300D3-A451-4EDE-8AEC-0036519A0ACE}" type="datetimeFigureOut">
               <a:rPr lang="zh-TW" altLang="en-US" smtClean="0"/>
-              <a:t>2018/2/10</a:t>
+              <a:pPr/>
+              <a:t>2019/11/26</a:t>
             </a:fld>
             <a:endParaRPr lang="zh-TW" altLang="en-US"/>
           </a:p>
@@ -496,6 +499,7 @@
           <a:p>
             <a:fld id="{8B8FA89F-1712-462A-9011-EE95F5B8AB35}" type="slidenum">
               <a:rPr lang="zh-TW" altLang="en-US" smtClean="0"/>
+              <a:pPr/>
               <a:t>‹#›</a:t>
             </a:fld>
             <a:endParaRPr lang="zh-TW" altLang="en-US"/>
@@ -539,8 +543,8 @@
         </p:nvSpPr>
         <p:spPr>
           <a:xfrm>
-            <a:off x="6629400" y="274638"/>
-            <a:ext cx="2057400" cy="5851525"/>
+            <a:off x="6629400" y="205979"/>
+            <a:ext cx="2057400" cy="4388644"/>
           </a:xfrm>
         </p:spPr>
         <p:txBody>
@@ -567,8 +571,8 @@
         </p:nvSpPr>
         <p:spPr>
           <a:xfrm>
-            <a:off x="457200" y="274638"/>
-            <a:ext cx="6019800" cy="5851525"/>
+            <a:off x="457200" y="205979"/>
+            <a:ext cx="6019800" cy="4388644"/>
           </a:xfrm>
         </p:spPr>
         <p:txBody>
@@ -629,7 +633,8 @@
           <a:p>
             <a:fld id="{765300D3-A451-4EDE-8AEC-0036519A0ACE}" type="datetimeFigureOut">
               <a:rPr lang="zh-TW" altLang="en-US" smtClean="0"/>
-              <a:t>2018/2/10</a:t>
+              <a:pPr/>
+              <a:t>2019/11/26</a:t>
             </a:fld>
             <a:endParaRPr lang="zh-TW" altLang="en-US"/>
           </a:p>
@@ -671,6 +676,7 @@
           <a:p>
             <a:fld id="{8B8FA89F-1712-462A-9011-EE95F5B8AB35}" type="slidenum">
               <a:rPr lang="zh-TW" altLang="en-US" smtClean="0"/>
+              <a:pPr/>
               <a:t>‹#›</a:t>
             </a:fld>
             <a:endParaRPr lang="zh-TW" altLang="en-US"/>
@@ -794,7 +800,8 @@
           <a:p>
             <a:fld id="{765300D3-A451-4EDE-8AEC-0036519A0ACE}" type="datetimeFigureOut">
               <a:rPr lang="zh-TW" altLang="en-US" smtClean="0"/>
-              <a:t>2018/2/10</a:t>
+              <a:pPr/>
+              <a:t>2019/11/26</a:t>
             </a:fld>
             <a:endParaRPr lang="zh-TW" altLang="en-US"/>
           </a:p>
@@ -836,6 +843,7 @@
           <a:p>
             <a:fld id="{8B8FA89F-1712-462A-9011-EE95F5B8AB35}" type="slidenum">
               <a:rPr lang="zh-TW" altLang="en-US" smtClean="0"/>
+              <a:pPr/>
               <a:t>‹#›</a:t>
             </a:fld>
             <a:endParaRPr lang="zh-TW" altLang="en-US"/>
@@ -879,8 +887,8 @@
         </p:nvSpPr>
         <p:spPr>
           <a:xfrm>
-            <a:off x="722313" y="4406900"/>
-            <a:ext cx="7772400" cy="1362075"/>
+            <a:off x="722313" y="3305176"/>
+            <a:ext cx="7772400" cy="1021556"/>
           </a:xfrm>
         </p:spPr>
         <p:txBody>
@@ -911,8 +919,8 @@
         </p:nvSpPr>
         <p:spPr>
           <a:xfrm>
-            <a:off x="722313" y="2906713"/>
-            <a:ext cx="7772400" cy="1500187"/>
+            <a:off x="722313" y="2180035"/>
+            <a:ext cx="7772400" cy="1125140"/>
           </a:xfrm>
         </p:spPr>
         <p:txBody>
@@ -1035,7 +1043,8 @@
           <a:p>
             <a:fld id="{765300D3-A451-4EDE-8AEC-0036519A0ACE}" type="datetimeFigureOut">
               <a:rPr lang="zh-TW" altLang="en-US" smtClean="0"/>
-              <a:t>2018/2/10</a:t>
+              <a:pPr/>
+              <a:t>2019/11/26</a:t>
             </a:fld>
             <a:endParaRPr lang="zh-TW" altLang="en-US"/>
           </a:p>
@@ -1077,6 +1086,7 @@
           <a:p>
             <a:fld id="{8B8FA89F-1712-462A-9011-EE95F5B8AB35}" type="slidenum">
               <a:rPr lang="zh-TW" altLang="en-US" smtClean="0"/>
+              <a:pPr/>
               <a:t>‹#›</a:t>
             </a:fld>
             <a:endParaRPr lang="zh-TW" altLang="en-US"/>
@@ -1143,8 +1153,8 @@
         </p:nvSpPr>
         <p:spPr>
           <a:xfrm>
-            <a:off x="457200" y="1600200"/>
-            <a:ext cx="4038600" cy="4525963"/>
+            <a:off x="457200" y="1200151"/>
+            <a:ext cx="4038600" cy="3394472"/>
           </a:xfrm>
         </p:spPr>
         <p:txBody>
@@ -1228,8 +1238,8 @@
         </p:nvSpPr>
         <p:spPr>
           <a:xfrm>
-            <a:off x="4648200" y="1600200"/>
-            <a:ext cx="4038600" cy="4525963"/>
+            <a:off x="4648200" y="1200151"/>
+            <a:ext cx="4038600" cy="3394472"/>
           </a:xfrm>
         </p:spPr>
         <p:txBody>
@@ -1318,7 +1328,8 @@
           <a:p>
             <a:fld id="{765300D3-A451-4EDE-8AEC-0036519A0ACE}" type="datetimeFigureOut">
               <a:rPr lang="zh-TW" altLang="en-US" smtClean="0"/>
-              <a:t>2018/2/10</a:t>
+              <a:pPr/>
+              <a:t>2019/11/26</a:t>
             </a:fld>
             <a:endParaRPr lang="zh-TW" altLang="en-US"/>
           </a:p>
@@ -1360,6 +1371,7 @@
           <a:p>
             <a:fld id="{8B8FA89F-1712-462A-9011-EE95F5B8AB35}" type="slidenum">
               <a:rPr lang="zh-TW" altLang="en-US" smtClean="0"/>
+              <a:pPr/>
               <a:t>‹#›</a:t>
             </a:fld>
             <a:endParaRPr lang="zh-TW" altLang="en-US"/>
@@ -1430,8 +1442,8 @@
         </p:nvSpPr>
         <p:spPr>
           <a:xfrm>
-            <a:off x="457200" y="1535113"/>
-            <a:ext cx="4040188" cy="639762"/>
+            <a:off x="457200" y="1151335"/>
+            <a:ext cx="4040188" cy="479822"/>
           </a:xfrm>
         </p:spPr>
         <p:txBody>
@@ -1495,8 +1507,8 @@
         </p:nvSpPr>
         <p:spPr>
           <a:xfrm>
-            <a:off x="457200" y="2174875"/>
-            <a:ext cx="4040188" cy="3951288"/>
+            <a:off x="457200" y="1631156"/>
+            <a:ext cx="4040188" cy="2963466"/>
           </a:xfrm>
         </p:spPr>
         <p:txBody>
@@ -1580,8 +1592,8 @@
         </p:nvSpPr>
         <p:spPr>
           <a:xfrm>
-            <a:off x="4645025" y="1535113"/>
-            <a:ext cx="4041775" cy="639762"/>
+            <a:off x="4645026" y="1151335"/>
+            <a:ext cx="4041775" cy="479822"/>
           </a:xfrm>
         </p:spPr>
         <p:txBody>
@@ -1645,8 +1657,8 @@
         </p:nvSpPr>
         <p:spPr>
           <a:xfrm>
-            <a:off x="4645025" y="2174875"/>
-            <a:ext cx="4041775" cy="3951288"/>
+            <a:off x="4645026" y="1631156"/>
+            <a:ext cx="4041775" cy="2963466"/>
           </a:xfrm>
         </p:spPr>
         <p:txBody>
@@ -1735,7 +1747,8 @@
           <a:p>
             <a:fld id="{765300D3-A451-4EDE-8AEC-0036519A0ACE}" type="datetimeFigureOut">
               <a:rPr lang="zh-TW" altLang="en-US" smtClean="0"/>
-              <a:t>2018/2/10</a:t>
+              <a:pPr/>
+              <a:t>2019/11/26</a:t>
             </a:fld>
             <a:endParaRPr lang="zh-TW" altLang="en-US"/>
           </a:p>
@@ -1777,6 +1790,7 @@
           <a:p>
             <a:fld id="{8B8FA89F-1712-462A-9011-EE95F5B8AB35}" type="slidenum">
               <a:rPr lang="zh-TW" altLang="en-US" smtClean="0"/>
+              <a:pPr/>
               <a:t>‹#›</a:t>
             </a:fld>
             <a:endParaRPr lang="zh-TW" altLang="en-US"/>
@@ -1848,7 +1862,8 @@
           <a:p>
             <a:fld id="{765300D3-A451-4EDE-8AEC-0036519A0ACE}" type="datetimeFigureOut">
               <a:rPr lang="zh-TW" altLang="en-US" smtClean="0"/>
-              <a:t>2018/2/10</a:t>
+              <a:pPr/>
+              <a:t>2019/11/26</a:t>
             </a:fld>
             <a:endParaRPr lang="zh-TW" altLang="en-US"/>
           </a:p>
@@ -1890,6 +1905,7 @@
           <a:p>
             <a:fld id="{8B8FA89F-1712-462A-9011-EE95F5B8AB35}" type="slidenum">
               <a:rPr lang="zh-TW" altLang="en-US" smtClean="0"/>
+              <a:pPr/>
               <a:t>‹#›</a:t>
             </a:fld>
             <a:endParaRPr lang="zh-TW" altLang="en-US"/>
@@ -1938,7 +1954,8 @@
           <a:p>
             <a:fld id="{765300D3-A451-4EDE-8AEC-0036519A0ACE}" type="datetimeFigureOut">
               <a:rPr lang="zh-TW" altLang="en-US" smtClean="0"/>
-              <a:t>2018/2/10</a:t>
+              <a:pPr/>
+              <a:t>2019/11/26</a:t>
             </a:fld>
             <a:endParaRPr lang="zh-TW" altLang="en-US"/>
           </a:p>
@@ -1980,6 +1997,7 @@
           <a:p>
             <a:fld id="{8B8FA89F-1712-462A-9011-EE95F5B8AB35}" type="slidenum">
               <a:rPr lang="zh-TW" altLang="en-US" smtClean="0"/>
+              <a:pPr/>
               <a:t>‹#›</a:t>
             </a:fld>
             <a:endParaRPr lang="zh-TW" altLang="en-US"/>
@@ -2023,8 +2041,8 @@
         </p:nvSpPr>
         <p:spPr>
           <a:xfrm>
-            <a:off x="457200" y="273050"/>
-            <a:ext cx="3008313" cy="1162050"/>
+            <a:off x="457201" y="204787"/>
+            <a:ext cx="3008313" cy="871538"/>
           </a:xfrm>
         </p:spPr>
         <p:txBody>
@@ -2055,8 +2073,8 @@
         </p:nvSpPr>
         <p:spPr>
           <a:xfrm>
-            <a:off x="3575050" y="273050"/>
-            <a:ext cx="5111750" cy="5853113"/>
+            <a:off x="3575050" y="204788"/>
+            <a:ext cx="5111750" cy="4389835"/>
           </a:xfrm>
         </p:spPr>
         <p:txBody>
@@ -2140,8 +2158,8 @@
         </p:nvSpPr>
         <p:spPr>
           <a:xfrm>
-            <a:off x="457200" y="1435100"/>
-            <a:ext cx="3008313" cy="4691063"/>
+            <a:off x="457201" y="1076326"/>
+            <a:ext cx="3008313" cy="3518297"/>
           </a:xfrm>
         </p:spPr>
         <p:txBody>
@@ -2210,7 +2228,8 @@
           <a:p>
             <a:fld id="{765300D3-A451-4EDE-8AEC-0036519A0ACE}" type="datetimeFigureOut">
               <a:rPr lang="zh-TW" altLang="en-US" smtClean="0"/>
-              <a:t>2018/2/10</a:t>
+              <a:pPr/>
+              <a:t>2019/11/26</a:t>
             </a:fld>
             <a:endParaRPr lang="zh-TW" altLang="en-US"/>
           </a:p>
@@ -2252,6 +2271,7 @@
           <a:p>
             <a:fld id="{8B8FA89F-1712-462A-9011-EE95F5B8AB35}" type="slidenum">
               <a:rPr lang="zh-TW" altLang="en-US" smtClean="0"/>
+              <a:pPr/>
               <a:t>‹#›</a:t>
             </a:fld>
             <a:endParaRPr lang="zh-TW" altLang="en-US"/>
@@ -2295,8 +2315,8 @@
         </p:nvSpPr>
         <p:spPr>
           <a:xfrm>
-            <a:off x="1792288" y="4800600"/>
-            <a:ext cx="5486400" cy="566738"/>
+            <a:off x="1792288" y="3600450"/>
+            <a:ext cx="5486400" cy="425054"/>
           </a:xfrm>
         </p:spPr>
         <p:txBody>
@@ -2327,8 +2347,8 @@
         </p:nvSpPr>
         <p:spPr>
           <a:xfrm>
-            <a:off x="1792288" y="612775"/>
-            <a:ext cx="5486400" cy="4114800"/>
+            <a:off x="1792288" y="459581"/>
+            <a:ext cx="5486400" cy="3086100"/>
           </a:xfrm>
         </p:spPr>
         <p:txBody>
@@ -2392,8 +2412,8 @@
         </p:nvSpPr>
         <p:spPr>
           <a:xfrm>
-            <a:off x="1792288" y="5367338"/>
-            <a:ext cx="5486400" cy="804862"/>
+            <a:off x="1792288" y="4025503"/>
+            <a:ext cx="5486400" cy="603647"/>
           </a:xfrm>
         </p:spPr>
         <p:txBody>
@@ -2462,7 +2482,8 @@
           <a:p>
             <a:fld id="{765300D3-A451-4EDE-8AEC-0036519A0ACE}" type="datetimeFigureOut">
               <a:rPr lang="zh-TW" altLang="en-US" smtClean="0"/>
-              <a:t>2018/2/10</a:t>
+              <a:pPr/>
+              <a:t>2019/11/26</a:t>
             </a:fld>
             <a:endParaRPr lang="zh-TW" altLang="en-US"/>
           </a:p>
@@ -2504,6 +2525,7 @@
           <a:p>
             <a:fld id="{8B8FA89F-1712-462A-9011-EE95F5B8AB35}" type="slidenum">
               <a:rPr lang="zh-TW" altLang="en-US" smtClean="0"/>
+              <a:pPr/>
               <a:t>‹#›</a:t>
             </a:fld>
             <a:endParaRPr lang="zh-TW" altLang="en-US"/>
@@ -2557,8 +2579,8 @@
         </p:nvSpPr>
         <p:spPr>
           <a:xfrm>
-            <a:off x="457200" y="274638"/>
-            <a:ext cx="8229600" cy="1143000"/>
+            <a:off x="457200" y="205978"/>
+            <a:ext cx="8229600" cy="857250"/>
           </a:xfrm>
           <a:prstGeom prst="rect">
             <a:avLst/>
@@ -2590,8 +2612,8 @@
         </p:nvSpPr>
         <p:spPr>
           <a:xfrm>
-            <a:off x="457200" y="1600200"/>
-            <a:ext cx="8229600" cy="4525963"/>
+            <a:off x="457200" y="1200151"/>
+            <a:ext cx="8229600" cy="3394472"/>
           </a:xfrm>
           <a:prstGeom prst="rect">
             <a:avLst/>
@@ -2652,8 +2674,8 @@
         </p:nvSpPr>
         <p:spPr>
           <a:xfrm>
-            <a:off x="457200" y="6356350"/>
-            <a:ext cx="2133600" cy="365125"/>
+            <a:off x="457200" y="4767263"/>
+            <a:ext cx="2133600" cy="273844"/>
           </a:xfrm>
           <a:prstGeom prst="rect">
             <a:avLst/>
@@ -2675,7 +2697,8 @@
           <a:p>
             <a:fld id="{765300D3-A451-4EDE-8AEC-0036519A0ACE}" type="datetimeFigureOut">
               <a:rPr lang="zh-TW" altLang="en-US" smtClean="0"/>
-              <a:t>2018/2/10</a:t>
+              <a:pPr/>
+              <a:t>2019/11/26</a:t>
             </a:fld>
             <a:endParaRPr lang="zh-TW" altLang="en-US"/>
           </a:p>
@@ -2693,8 +2716,8 @@
         </p:nvSpPr>
         <p:spPr>
           <a:xfrm>
-            <a:off x="3124200" y="6356350"/>
-            <a:ext cx="2895600" cy="365125"/>
+            <a:off x="3124200" y="4767263"/>
+            <a:ext cx="2895600" cy="273844"/>
           </a:xfrm>
           <a:prstGeom prst="rect">
             <a:avLst/>
@@ -2730,8 +2753,8 @@
         </p:nvSpPr>
         <p:spPr>
           <a:xfrm>
-            <a:off x="6553200" y="6356350"/>
-            <a:ext cx="2133600" cy="365125"/>
+            <a:off x="6553200" y="4767263"/>
+            <a:ext cx="2133600" cy="273844"/>
           </a:xfrm>
           <a:prstGeom prst="rect">
             <a:avLst/>
@@ -2753,6 +2776,7 @@
           <a:p>
             <a:fld id="{8B8FA89F-1712-462A-9011-EE95F5B8AB35}" type="slidenum">
               <a:rPr lang="zh-TW" altLang="en-US" smtClean="0"/>
+              <a:pPr/>
               <a:t>‹#›</a:t>
             </a:fld>
             <a:endParaRPr lang="zh-TW" altLang="en-US"/>
@@ -3061,7 +3085,7 @@
           <a:lstStyle/>
           <a:p>
             <a:r>
-              <a:rPr lang="zh-CN" altLang="en-US" b="1" dirty="0" smtClean="0">
+              <a:rPr lang="zh-CN" altLang="en-US" sz="3200" b="1" dirty="0" smtClean="0">
                 <a:solidFill>
                   <a:srgbClr val="000066"/>
                 </a:solidFill>
@@ -3070,7 +3094,7 @@
               </a:rPr>
               <a:t>恩典之路</a:t>
             </a:r>
-            <a:endParaRPr lang="zh-TW" altLang="en-US" b="1" dirty="0">
+            <a:endParaRPr lang="zh-TW" altLang="en-US" sz="3200" b="1" dirty="0">
               <a:solidFill>
                 <a:srgbClr val="000066"/>
               </a:solidFill>
@@ -3092,8 +3116,8 @@
         </p:nvSpPr>
         <p:spPr>
           <a:xfrm>
-            <a:off x="0" y="1600200"/>
-            <a:ext cx="9144000" cy="4525963"/>
+            <a:off x="0" y="1200151"/>
+            <a:ext cx="9144000" cy="3394472"/>
           </a:xfrm>
         </p:spPr>
         <p:txBody>
@@ -3106,7 +3130,7 @@
               <a:buNone/>
             </a:pPr>
             <a:r>
-              <a:rPr lang="zh-TW" altLang="en-US" sz="5400" b="1" dirty="0">
+              <a:rPr lang="zh-TW" altLang="en-US" sz="4000" b="1" dirty="0">
                 <a:solidFill>
                   <a:srgbClr val="000066"/>
                 </a:solidFill>
@@ -3116,7 +3140,7 @@
               <a:t>你是我的</a:t>
             </a:r>
             <a:r>
-              <a:rPr lang="zh-TW" altLang="en-US" sz="5400" b="1" dirty="0" smtClean="0">
+              <a:rPr lang="zh-TW" altLang="en-US" sz="4000" b="1" dirty="0" smtClean="0">
                 <a:solidFill>
                   <a:srgbClr val="000066"/>
                 </a:solidFill>
@@ -3126,7 +3150,7 @@
               <a:t>主</a:t>
             </a:r>
             <a:r>
-              <a:rPr lang="en-US" altLang="zh-TW" sz="5400" b="1" dirty="0" smtClean="0">
+              <a:rPr lang="en-US" altLang="zh-TW" sz="4000" b="1" dirty="0" smtClean="0">
                 <a:solidFill>
                   <a:srgbClr val="000066"/>
                 </a:solidFill>
@@ -3136,7 +3160,7 @@
               <a:t>  </a:t>
             </a:r>
             <a:r>
-              <a:rPr lang="zh-TW" altLang="en-US" sz="5400" b="1" dirty="0" smtClean="0">
+              <a:rPr lang="zh-TW" altLang="en-US" sz="4000" b="1" dirty="0" smtClean="0">
                 <a:solidFill>
                   <a:srgbClr val="000066"/>
                 </a:solidFill>
@@ -3146,7 +3170,7 @@
               <a:t>引</a:t>
             </a:r>
             <a:r>
-              <a:rPr lang="zh-TW" altLang="en-US" sz="5400" b="1" dirty="0">
+              <a:rPr lang="zh-TW" altLang="en-US" sz="4000" b="1" dirty="0">
                 <a:solidFill>
                   <a:srgbClr val="000066"/>
                 </a:solidFill>
@@ -3156,7 +3180,7 @@
               <a:t>我走</a:t>
             </a:r>
             <a:r>
-              <a:rPr lang="zh-TW" altLang="en-US" sz="5400" b="1" dirty="0" smtClean="0">
+              <a:rPr lang="zh-TW" altLang="en-US" sz="4000" b="1" dirty="0" smtClean="0">
                 <a:solidFill>
                   <a:srgbClr val="000066"/>
                 </a:solidFill>
@@ -3165,7 +3189,7 @@
               </a:rPr>
               <a:t>正義路</a:t>
             </a:r>
-            <a:endParaRPr lang="en-US" altLang="zh-TW" sz="5400" b="1" dirty="0">
+            <a:endParaRPr lang="en-US" altLang="zh-TW" sz="4000" b="1" dirty="0">
               <a:solidFill>
                 <a:srgbClr val="000066"/>
               </a:solidFill>
@@ -3178,7 +3202,7 @@
               <a:buNone/>
             </a:pPr>
             <a:r>
-              <a:rPr lang="zh-TW" altLang="en-US" sz="5400" b="1" dirty="0" smtClean="0">
+              <a:rPr lang="zh-TW" altLang="en-US" sz="4000" b="1" dirty="0" smtClean="0">
                 <a:solidFill>
                   <a:srgbClr val="000066"/>
                 </a:solidFill>
@@ -3188,7 +3212,7 @@
               <a:t>高山</a:t>
             </a:r>
             <a:r>
-              <a:rPr lang="zh-TW" altLang="en-US" sz="5400" b="1" dirty="0">
+              <a:rPr lang="zh-TW" altLang="en-US" sz="4000" b="1" dirty="0">
                 <a:solidFill>
                   <a:srgbClr val="000066"/>
                 </a:solidFill>
@@ -3198,7 +3222,7 @@
               <a:t>或</a:t>
             </a:r>
             <a:r>
-              <a:rPr lang="zh-TW" altLang="en-US" sz="5400" b="1" dirty="0" smtClean="0">
+              <a:rPr lang="zh-TW" altLang="en-US" sz="4000" b="1" dirty="0" smtClean="0">
                 <a:solidFill>
                   <a:srgbClr val="000066"/>
                 </a:solidFill>
@@ -3208,7 +3232,7 @@
               <a:t>低谷</a:t>
             </a:r>
             <a:r>
-              <a:rPr lang="en-US" altLang="zh-TW" sz="5400" b="1" dirty="0" smtClean="0">
+              <a:rPr lang="en-US" altLang="zh-TW" sz="4000" b="1" dirty="0" smtClean="0">
                 <a:solidFill>
                   <a:srgbClr val="000066"/>
                 </a:solidFill>
@@ -3218,7 +3242,7 @@
               <a:t>  </a:t>
             </a:r>
             <a:r>
-              <a:rPr lang="zh-TW" altLang="en-US" sz="5400" b="1" dirty="0" smtClean="0">
+              <a:rPr lang="zh-TW" altLang="en-US" sz="4000" b="1" dirty="0" smtClean="0">
                 <a:solidFill>
                   <a:srgbClr val="000066"/>
                 </a:solidFill>
@@ -3228,7 +3252,7 @@
               <a:t>都</a:t>
             </a:r>
             <a:r>
-              <a:rPr lang="zh-TW" altLang="en-US" sz="5400" b="1" dirty="0">
+              <a:rPr lang="zh-TW" altLang="en-US" sz="4000" b="1" dirty="0">
                 <a:solidFill>
                   <a:srgbClr val="000066"/>
                 </a:solidFill>
@@ -3238,7 +3262,7 @@
               <a:t>是你在</a:t>
             </a:r>
             <a:r>
-              <a:rPr lang="zh-TW" altLang="en-US" sz="5400" b="1" dirty="0" smtClean="0">
+              <a:rPr lang="zh-TW" altLang="en-US" sz="4000" b="1" dirty="0" smtClean="0">
                 <a:solidFill>
                   <a:srgbClr val="000066"/>
                 </a:solidFill>
@@ -3247,7 +3271,7 @@
               </a:rPr>
               <a:t>保護</a:t>
             </a:r>
-            <a:endParaRPr lang="en-US" altLang="zh-TW" sz="5400" b="1" dirty="0">
+            <a:endParaRPr lang="en-US" altLang="zh-TW" sz="4000" b="1" dirty="0">
               <a:solidFill>
                 <a:srgbClr val="000066"/>
               </a:solidFill>
@@ -3260,7 +3284,7 @@
               <a:buNone/>
             </a:pPr>
             <a:r>
-              <a:rPr lang="zh-TW" altLang="en-US" sz="5400" b="1" dirty="0" smtClean="0">
+              <a:rPr lang="zh-TW" altLang="en-US" sz="4000" b="1" dirty="0" smtClean="0">
                 <a:solidFill>
                   <a:srgbClr val="000066"/>
                 </a:solidFill>
@@ -3270,7 +3294,7 @@
               <a:t>萬人中唯獨</a:t>
             </a:r>
             <a:r>
-              <a:rPr lang="en-US" altLang="zh-TW" sz="5400" b="1" dirty="0" smtClean="0">
+              <a:rPr lang="en-US" altLang="zh-TW" sz="4000" b="1" dirty="0" smtClean="0">
                 <a:solidFill>
                   <a:srgbClr val="000066"/>
                 </a:solidFill>
@@ -3280,7 +3304,7 @@
               <a:t>  </a:t>
             </a:r>
             <a:r>
-              <a:rPr lang="zh-TW" altLang="en-US" sz="5400" b="1" dirty="0" smtClean="0">
+              <a:rPr lang="zh-TW" altLang="en-US" sz="4000" b="1" dirty="0" smtClean="0">
                 <a:solidFill>
                   <a:srgbClr val="000066"/>
                 </a:solidFill>
@@ -3290,7 +3314,7 @@
               <a:t>你</a:t>
             </a:r>
             <a:r>
-              <a:rPr lang="zh-TW" altLang="en-US" sz="5400" b="1" dirty="0">
+              <a:rPr lang="zh-TW" altLang="en-US" sz="4000" b="1" dirty="0">
                 <a:solidFill>
                   <a:srgbClr val="000066"/>
                 </a:solidFill>
@@ -3300,7 +3324,7 @@
               <a:t>愛我認識</a:t>
             </a:r>
             <a:r>
-              <a:rPr lang="zh-TW" altLang="en-US" sz="5400" b="1" dirty="0" smtClean="0">
+              <a:rPr lang="zh-TW" altLang="en-US" sz="4000" b="1" dirty="0" smtClean="0">
                 <a:solidFill>
                   <a:srgbClr val="000066"/>
                 </a:solidFill>
@@ -3309,7 +3333,7 @@
               </a:rPr>
               <a:t>我</a:t>
             </a:r>
-            <a:endParaRPr lang="en-US" altLang="zh-TW" sz="5400" b="1" dirty="0">
+            <a:endParaRPr lang="en-US" altLang="zh-TW" sz="4000" b="1" dirty="0">
               <a:solidFill>
                 <a:srgbClr val="000066"/>
               </a:solidFill>
@@ -3322,7 +3346,7 @@
               <a:buNone/>
             </a:pPr>
             <a:r>
-              <a:rPr lang="zh-TW" altLang="en-US" sz="5400" b="1" dirty="0" smtClean="0">
+              <a:rPr lang="zh-TW" altLang="en-US" sz="4000" b="1" dirty="0" smtClean="0">
                 <a:solidFill>
                   <a:srgbClr val="000066"/>
                 </a:solidFill>
@@ -3332,7 +3356,7 @@
               <a:t>永遠</a:t>
             </a:r>
             <a:r>
-              <a:rPr lang="zh-TW" altLang="en-US" sz="5400" b="1" dirty="0">
+              <a:rPr lang="zh-TW" altLang="en-US" sz="4000" b="1" dirty="0">
                 <a:solidFill>
                   <a:srgbClr val="000066"/>
                 </a:solidFill>
@@ -3342,7 +3366,7 @@
               <a:t>不變的</a:t>
             </a:r>
             <a:r>
-              <a:rPr lang="zh-TW" altLang="en-US" sz="5400" b="1" dirty="0" smtClean="0">
+              <a:rPr lang="zh-TW" altLang="en-US" sz="4000" b="1" dirty="0" smtClean="0">
                 <a:solidFill>
                   <a:srgbClr val="000066"/>
                 </a:solidFill>
@@ -3351,7 +3375,7 @@
               </a:rPr>
               <a:t>應許</a:t>
             </a:r>
-            <a:endParaRPr lang="en-US" altLang="zh-TW" sz="5400" b="1" dirty="0">
+            <a:endParaRPr lang="en-US" altLang="zh-TW" sz="4000" b="1" dirty="0">
               <a:solidFill>
                 <a:srgbClr val="000066"/>
               </a:solidFill>
@@ -3364,7 +3388,7 @@
               <a:buNone/>
             </a:pPr>
             <a:r>
-              <a:rPr lang="zh-TW" altLang="en-US" sz="5400" b="1" dirty="0" smtClean="0">
+              <a:rPr lang="zh-TW" altLang="en-US" sz="4000" b="1" dirty="0" smtClean="0">
                 <a:solidFill>
                   <a:srgbClr val="000066"/>
                 </a:solidFill>
@@ -3374,7 +3398,7 @@
               <a:t>這</a:t>
             </a:r>
             <a:r>
-              <a:rPr lang="zh-TW" altLang="en-US" sz="5400" b="1" dirty="0">
+              <a:rPr lang="zh-TW" altLang="en-US" sz="4000" b="1" dirty="0">
                 <a:solidFill>
                   <a:srgbClr val="000066"/>
                 </a:solidFill>
@@ -3384,7 +3408,7 @@
               <a:t>一生都是</a:t>
             </a:r>
             <a:r>
-              <a:rPr lang="zh-TW" altLang="en-US" sz="5400" b="1" dirty="0" smtClean="0">
+              <a:rPr lang="zh-TW" altLang="en-US" sz="4000" b="1" dirty="0" smtClean="0">
                 <a:solidFill>
                   <a:srgbClr val="000066"/>
                 </a:solidFill>
@@ -3393,7 +3417,7 @@
               </a:rPr>
               <a:t>祝福</a:t>
             </a:r>
-            <a:endParaRPr lang="zh-TW" altLang="en-US" sz="5400" b="1" dirty="0">
+            <a:endParaRPr lang="zh-TW" altLang="en-US" sz="4000" b="1" dirty="0">
               <a:solidFill>
                 <a:srgbClr val="000066"/>
               </a:solidFill>
@@ -3444,7 +3468,7 @@
           <a:lstStyle/>
           <a:p>
             <a:r>
-              <a:rPr lang="zh-CN" altLang="en-US" b="1" dirty="0" smtClean="0">
+              <a:rPr lang="zh-CN" altLang="en-US" sz="3200" b="1" dirty="0" smtClean="0">
                 <a:solidFill>
                   <a:srgbClr val="000066"/>
                 </a:solidFill>
@@ -3453,7 +3477,7 @@
               </a:rPr>
               <a:t>恩典之路</a:t>
             </a:r>
-            <a:endParaRPr lang="zh-TW" altLang="en-US" b="1" dirty="0">
+            <a:endParaRPr lang="zh-TW" altLang="en-US" sz="3200" b="1" dirty="0">
               <a:solidFill>
                 <a:srgbClr val="000066"/>
               </a:solidFill>
@@ -3475,8 +3499,8 @@
         </p:nvSpPr>
         <p:spPr>
           <a:xfrm>
-            <a:off x="0" y="1600200"/>
-            <a:ext cx="9144000" cy="4525963"/>
+            <a:off x="0" y="1200151"/>
+            <a:ext cx="9144000" cy="3394472"/>
           </a:xfrm>
         </p:spPr>
         <p:txBody>
@@ -3489,7 +3513,7 @@
               <a:buNone/>
             </a:pPr>
             <a:r>
-              <a:rPr lang="zh-TW" altLang="en-US" sz="5400" b="1" dirty="0" smtClean="0">
+              <a:rPr lang="zh-TW" altLang="en-US" sz="4000" b="1" dirty="0" smtClean="0">
                 <a:solidFill>
                   <a:srgbClr val="000066"/>
                 </a:solidFill>
@@ -3499,7 +3523,7 @@
               <a:t>一步又一步</a:t>
             </a:r>
             <a:r>
-              <a:rPr lang="en-US" altLang="zh-TW" sz="5400" b="1" dirty="0" smtClean="0">
+              <a:rPr lang="en-US" altLang="zh-TW" sz="4000" b="1" dirty="0" smtClean="0">
                 <a:solidFill>
                   <a:srgbClr val="000066"/>
                 </a:solidFill>
@@ -3509,7 +3533,7 @@
               <a:t>  </a:t>
             </a:r>
             <a:r>
-              <a:rPr lang="zh-TW" altLang="en-US" sz="5400" b="1" dirty="0" smtClean="0">
+              <a:rPr lang="zh-TW" altLang="en-US" sz="4000" b="1" dirty="0" smtClean="0">
                 <a:solidFill>
                   <a:srgbClr val="000066"/>
                 </a:solidFill>
@@ -3518,7 +3542,7 @@
               </a:rPr>
               <a:t>這是恩典之路</a:t>
             </a:r>
-            <a:endParaRPr lang="en-US" altLang="zh-TW" sz="5400" b="1" dirty="0" smtClean="0">
+            <a:endParaRPr lang="en-US" altLang="zh-TW" sz="4000" b="1" dirty="0" smtClean="0">
               <a:solidFill>
                 <a:srgbClr val="000066"/>
               </a:solidFill>
@@ -3531,27 +3555,17 @@
               <a:buNone/>
             </a:pPr>
             <a:r>
-              <a:rPr lang="zh-TW" altLang="en-US" sz="5400" b="1" dirty="0" smtClean="0">
-                <a:solidFill>
-                  <a:srgbClr val="000066"/>
-                </a:solidFill>
-                <a:latin typeface="微軟正黑體" pitchFamily="34" charset="-120"/>
-                <a:ea typeface="微軟正黑體" pitchFamily="34" charset="-120"/>
-              </a:rPr>
-              <a:t>你</a:t>
-            </a:r>
-            <a:r>
-              <a:rPr lang="zh-TW" altLang="en-US" sz="5400" b="1" dirty="0" smtClean="0">
-                <a:solidFill>
-                  <a:srgbClr val="000066"/>
-                </a:solidFill>
-                <a:latin typeface="微軟正黑體" pitchFamily="34" charset="-120"/>
-                <a:ea typeface="微軟正黑體" pitchFamily="34" charset="-120"/>
-              </a:rPr>
-              <a:t>愛</a:t>
-            </a:r>
-            <a:r>
-              <a:rPr lang="en-US" altLang="zh-TW" sz="5400" b="1" dirty="0" smtClean="0">
+              <a:rPr lang="zh-TW" altLang="en-US" sz="4000" b="1" dirty="0" smtClean="0">
+                <a:solidFill>
+                  <a:srgbClr val="000066"/>
+                </a:solidFill>
+                <a:latin typeface="微軟正黑體" pitchFamily="34" charset="-120"/>
+                <a:ea typeface="微軟正黑體" pitchFamily="34" charset="-120"/>
+              </a:rPr>
+              <a:t>你愛</a:t>
+            </a:r>
+            <a:r>
+              <a:rPr lang="en-US" altLang="zh-TW" sz="4000" b="1" dirty="0" smtClean="0">
                 <a:solidFill>
                   <a:srgbClr val="000066"/>
                 </a:solidFill>
@@ -3561,27 +3575,17 @@
               <a:t>  </a:t>
             </a:r>
             <a:r>
-              <a:rPr lang="zh-TW" altLang="en-US" sz="5400" b="1" dirty="0" smtClean="0">
-                <a:solidFill>
-                  <a:srgbClr val="000066"/>
-                </a:solidFill>
-                <a:latin typeface="微軟正黑體" pitchFamily="34" charset="-120"/>
-                <a:ea typeface="微軟正黑體" pitchFamily="34" charset="-120"/>
-              </a:rPr>
-              <a:t>你</a:t>
-            </a:r>
-            <a:r>
-              <a:rPr lang="zh-TW" altLang="en-US" sz="5400" b="1" dirty="0" smtClean="0">
-                <a:solidFill>
-                  <a:srgbClr val="000066"/>
-                </a:solidFill>
-                <a:latin typeface="微軟正黑體" pitchFamily="34" charset="-120"/>
-                <a:ea typeface="微軟正黑體" pitchFamily="34" charset="-120"/>
-              </a:rPr>
-              <a:t>手</a:t>
-            </a:r>
-            <a:r>
-              <a:rPr lang="en-US" altLang="zh-TW" sz="5400" b="1" dirty="0" smtClean="0">
+              <a:rPr lang="zh-TW" altLang="en-US" sz="4000" b="1" dirty="0" smtClean="0">
+                <a:solidFill>
+                  <a:srgbClr val="000066"/>
+                </a:solidFill>
+                <a:latin typeface="微軟正黑體" pitchFamily="34" charset="-120"/>
+                <a:ea typeface="微軟正黑體" pitchFamily="34" charset="-120"/>
+              </a:rPr>
+              <a:t>你手</a:t>
+            </a:r>
+            <a:r>
+              <a:rPr lang="en-US" altLang="zh-TW" sz="4000" b="1" dirty="0" smtClean="0">
                 <a:solidFill>
                   <a:srgbClr val="000066"/>
                 </a:solidFill>
@@ -3591,7 +3595,7 @@
               <a:t>  </a:t>
             </a:r>
             <a:r>
-              <a:rPr lang="zh-TW" altLang="en-US" sz="5400" b="1" dirty="0" smtClean="0">
+              <a:rPr lang="zh-TW" altLang="en-US" sz="4000" b="1" dirty="0" smtClean="0">
                 <a:solidFill>
                   <a:srgbClr val="000066"/>
                 </a:solidFill>
@@ -3600,7 +3604,7 @@
               </a:rPr>
               <a:t>將我緊緊抓住</a:t>
             </a:r>
-            <a:endParaRPr lang="en-US" altLang="zh-TW" sz="5400" b="1" dirty="0" smtClean="0">
+            <a:endParaRPr lang="en-US" altLang="zh-TW" sz="4000" b="1" dirty="0" smtClean="0">
               <a:solidFill>
                 <a:srgbClr val="000066"/>
               </a:solidFill>
@@ -3613,7 +3617,7 @@
               <a:buNone/>
             </a:pPr>
             <a:r>
-              <a:rPr lang="zh-TW" altLang="en-US" sz="5400" b="1" dirty="0" smtClean="0">
+              <a:rPr lang="zh-TW" altLang="en-US" sz="4000" b="1" dirty="0" smtClean="0">
                 <a:solidFill>
                   <a:srgbClr val="000066"/>
                 </a:solidFill>
@@ -3623,7 +3627,7 @@
               <a:t>一步又一步</a:t>
             </a:r>
             <a:r>
-              <a:rPr lang="en-US" altLang="zh-TW" sz="5400" b="1" dirty="0" smtClean="0">
+              <a:rPr lang="en-US" altLang="zh-TW" sz="4000" b="1" dirty="0" smtClean="0">
                 <a:solidFill>
                   <a:srgbClr val="000066"/>
                 </a:solidFill>
@@ -3633,7 +3637,7 @@
               <a:t>  </a:t>
             </a:r>
             <a:r>
-              <a:rPr lang="zh-TW" altLang="en-US" sz="5400" b="1" dirty="0" smtClean="0">
+              <a:rPr lang="zh-TW" altLang="en-US" sz="4000" b="1" dirty="0" smtClean="0">
                 <a:solidFill>
                   <a:srgbClr val="000066"/>
                 </a:solidFill>
@@ -3642,7 +3646,7 @@
               </a:rPr>
               <a:t>這是盼望之路</a:t>
             </a:r>
-            <a:endParaRPr lang="en-US" altLang="zh-TW" sz="5400" b="1" dirty="0" smtClean="0">
+            <a:endParaRPr lang="en-US" altLang="zh-TW" sz="4000" b="1" dirty="0" smtClean="0">
               <a:solidFill>
                 <a:srgbClr val="000066"/>
               </a:solidFill>
@@ -3655,7 +3659,7 @@
               <a:buNone/>
             </a:pPr>
             <a:r>
-              <a:rPr lang="zh-TW" altLang="en-US" sz="5400" b="1" dirty="0" smtClean="0">
+              <a:rPr lang="zh-TW" altLang="en-US" sz="4000" b="1" dirty="0" smtClean="0">
                 <a:solidFill>
                   <a:srgbClr val="000066"/>
                 </a:solidFill>
@@ -3665,7 +3669,7 @@
               <a:t>你愛</a:t>
             </a:r>
             <a:r>
-              <a:rPr lang="en-US" altLang="zh-TW" sz="5400" b="1" dirty="0" smtClean="0">
+              <a:rPr lang="en-US" altLang="zh-TW" sz="4000" b="1" dirty="0" smtClean="0">
                 <a:solidFill>
                   <a:srgbClr val="000066"/>
                 </a:solidFill>
@@ -3675,7 +3679,7 @@
               <a:t>  </a:t>
             </a:r>
             <a:r>
-              <a:rPr lang="zh-TW" altLang="en-US" sz="5400" b="1" dirty="0" smtClean="0">
+              <a:rPr lang="zh-TW" altLang="en-US" sz="4000" b="1" dirty="0" smtClean="0">
                 <a:solidFill>
                   <a:srgbClr val="000066"/>
                 </a:solidFill>
@@ -3685,7 +3689,7 @@
               <a:t>你手</a:t>
             </a:r>
             <a:r>
-              <a:rPr lang="en-US" altLang="zh-TW" sz="5400" b="1" dirty="0" smtClean="0">
+              <a:rPr lang="en-US" altLang="zh-TW" sz="4000" b="1" dirty="0" smtClean="0">
                 <a:solidFill>
                   <a:srgbClr val="000066"/>
                 </a:solidFill>
@@ -3695,7 +3699,7 @@
               <a:t>  </a:t>
             </a:r>
             <a:r>
-              <a:rPr lang="zh-TW" altLang="en-US" sz="5400" b="1" dirty="0" smtClean="0">
+              <a:rPr lang="zh-TW" altLang="en-US" sz="4000" b="1" dirty="0" smtClean="0">
                 <a:solidFill>
                   <a:srgbClr val="000066"/>
                 </a:solidFill>
@@ -3704,7 +3708,7 @@
               </a:rPr>
               <a:t>牽引我走這人生路</a:t>
             </a:r>
-            <a:endParaRPr lang="zh-TW" altLang="en-US" sz="5400" b="1" dirty="0">
+            <a:endParaRPr lang="zh-TW" altLang="en-US" sz="4000" b="1" dirty="0">
               <a:solidFill>
                 <a:srgbClr val="000066"/>
               </a:solidFill>

--- a/恩典之路(崇拜版).pptx
+++ b/恩典之路(崇拜版).pptx
@@ -5,8 +5,12 @@
     <p:sldMasterId id="2147483660" r:id="rId1"/>
   </p:sldMasterIdLst>
   <p:sldIdLst>
-    <p:sldId id="257" r:id="rId2"/>
-    <p:sldId id="258" r:id="rId3"/>
+    <p:sldId id="256" r:id="rId2"/>
+    <p:sldId id="257" r:id="rId3"/>
+    <p:sldId id="258" r:id="rId4"/>
+    <p:sldId id="259" r:id="rId5"/>
+    <p:sldId id="260" r:id="rId6"/>
+    <p:sldId id="261" r:id="rId7"/>
   </p:sldIdLst>
   <p:sldSz cx="12192000" cy="6858000"/>
   <p:notesSz cx="6858000" cy="9144000"/>
@@ -105,6 +109,11 @@
       </a:defRPr>
     </a:lvl9pPr>
   </p:defaultTextStyle>
+  <p:extLst>
+    <p:ext uri="{EFAFB233-063F-42B5-8137-9DF3F51BA10A}">
+      <p15:sldGuideLst xmlns:p15="http://schemas.microsoft.com/office/powerpoint/2012/main"/>
+    </p:ext>
+  </p:extLst>
 </p:presentation>
 </file>
 
@@ -289,7 +298,7 @@
           <a:p>
             <a:fld id="{44442084-CD32-4B52-A5E8-3FB177862133}" type="datetimeFigureOut">
               <a:rPr lang="en-US" smtClean="0"/>
-              <a:t>1/11/2020</a:t>
+              <a:t>12/4/2020</a:t>
             </a:fld>
             <a:endParaRPr lang="en-US"/>
           </a:p>
@@ -459,7 +468,7 @@
           <a:p>
             <a:fld id="{44442084-CD32-4B52-A5E8-3FB177862133}" type="datetimeFigureOut">
               <a:rPr lang="en-US" smtClean="0"/>
-              <a:t>1/11/2020</a:t>
+              <a:t>12/4/2020</a:t>
             </a:fld>
             <a:endParaRPr lang="en-US"/>
           </a:p>
@@ -639,7 +648,7 @@
           <a:p>
             <a:fld id="{44442084-CD32-4B52-A5E8-3FB177862133}" type="datetimeFigureOut">
               <a:rPr lang="en-US" smtClean="0"/>
-              <a:t>1/11/2020</a:t>
+              <a:t>12/4/2020</a:t>
             </a:fld>
             <a:endParaRPr lang="en-US"/>
           </a:p>
@@ -809,7 +818,7 @@
           <a:p>
             <a:fld id="{44442084-CD32-4B52-A5E8-3FB177862133}" type="datetimeFigureOut">
               <a:rPr lang="en-US" smtClean="0"/>
-              <a:t>1/11/2020</a:t>
+              <a:t>12/4/2020</a:t>
             </a:fld>
             <a:endParaRPr lang="en-US"/>
           </a:p>
@@ -1055,7 +1064,7 @@
           <a:p>
             <a:fld id="{44442084-CD32-4B52-A5E8-3FB177862133}" type="datetimeFigureOut">
               <a:rPr lang="en-US" smtClean="0"/>
-              <a:t>1/11/2020</a:t>
+              <a:t>12/4/2020</a:t>
             </a:fld>
             <a:endParaRPr lang="en-US"/>
           </a:p>
@@ -1343,7 +1352,7 @@
           <a:p>
             <a:fld id="{44442084-CD32-4B52-A5E8-3FB177862133}" type="datetimeFigureOut">
               <a:rPr lang="en-US" smtClean="0"/>
-              <a:t>1/11/2020</a:t>
+              <a:t>12/4/2020</a:t>
             </a:fld>
             <a:endParaRPr lang="en-US"/>
           </a:p>
@@ -1765,7 +1774,7 @@
           <a:p>
             <a:fld id="{44442084-CD32-4B52-A5E8-3FB177862133}" type="datetimeFigureOut">
               <a:rPr lang="en-US" smtClean="0"/>
-              <a:t>1/11/2020</a:t>
+              <a:t>12/4/2020</a:t>
             </a:fld>
             <a:endParaRPr lang="en-US"/>
           </a:p>
@@ -1883,7 +1892,7 @@
           <a:p>
             <a:fld id="{44442084-CD32-4B52-A5E8-3FB177862133}" type="datetimeFigureOut">
               <a:rPr lang="en-US" smtClean="0"/>
-              <a:t>1/11/2020</a:t>
+              <a:t>12/4/2020</a:t>
             </a:fld>
             <a:endParaRPr lang="en-US"/>
           </a:p>
@@ -1978,7 +1987,7 @@
           <a:p>
             <a:fld id="{44442084-CD32-4B52-A5E8-3FB177862133}" type="datetimeFigureOut">
               <a:rPr lang="en-US" smtClean="0"/>
-              <a:t>1/11/2020</a:t>
+              <a:t>12/4/2020</a:t>
             </a:fld>
             <a:endParaRPr lang="en-US"/>
           </a:p>
@@ -2255,7 +2264,7 @@
           <a:p>
             <a:fld id="{44442084-CD32-4B52-A5E8-3FB177862133}" type="datetimeFigureOut">
               <a:rPr lang="en-US" smtClean="0"/>
-              <a:t>1/11/2020</a:t>
+              <a:t>12/4/2020</a:t>
             </a:fld>
             <a:endParaRPr lang="en-US"/>
           </a:p>
@@ -2512,7 +2521,7 @@
           <a:p>
             <a:fld id="{44442084-CD32-4B52-A5E8-3FB177862133}" type="datetimeFigureOut">
               <a:rPr lang="en-US" smtClean="0"/>
-              <a:t>1/11/2020</a:t>
+              <a:t>12/4/2020</a:t>
             </a:fld>
             <a:endParaRPr lang="en-US"/>
           </a:p>
@@ -2730,7 +2739,7 @@
           <a:p>
             <a:fld id="{44442084-CD32-4B52-A5E8-3FB177862133}" type="datetimeFigureOut">
               <a:rPr lang="en-US" smtClean="0"/>
-              <a:t>1/11/2020</a:t>
+              <a:t>12/4/2020</a:t>
             </a:fld>
             <a:endParaRPr lang="en-US"/>
           </a:p>
@@ -3107,7 +3116,7 @@
       </p:grpSpPr>
       <p:sp>
         <p:nvSpPr>
-          <p:cNvPr id="2" name="Title 1"/>
+          <p:cNvPr id="4" name="標題 3"/>
           <p:cNvSpPr>
             <a:spLocks noGrp="1"/>
           </p:cNvSpPr>
@@ -3115,196 +3124,65 @@
             <p:ph type="title"/>
           </p:nvPr>
         </p:nvSpPr>
-        <p:spPr/>
+        <p:spPr>
+          <a:xfrm>
+            <a:off x="0" y="2857513"/>
+            <a:ext cx="12192000" cy="1143000"/>
+          </a:xfrm>
+        </p:spPr>
         <p:txBody>
           <a:bodyPr>
-            <a:normAutofit/>
+            <a:noAutofit/>
           </a:bodyPr>
           <a:lstStyle/>
           <a:p>
             <a:r>
-              <a:rPr lang="zh-CN" altLang="en-US" sz="4800" b="1" dirty="0">
-                <a:latin typeface="Microsoft JhengHei" panose="020B0604030504040204" pitchFamily="34" charset="-120"/>
-                <a:ea typeface="Microsoft JhengHei" panose="020B0604030504040204" pitchFamily="34" charset="-120"/>
+              <a:rPr lang="zh-CN" altLang="en-US" sz="7200" b="1" i="1" dirty="0">
+                <a:solidFill>
+                  <a:srgbClr val="000066"/>
+                </a:solidFill>
+                <a:effectLst>
+                  <a:outerShdw blurRad="38100" dist="38100" dir="2700000" algn="tl">
+                    <a:srgbClr val="000000">
+                      <a:alpha val="43137"/>
+                    </a:srgbClr>
+                  </a:outerShdw>
+                </a:effectLst>
+                <a:latin typeface="微軟正黑體" pitchFamily="34" charset="-120"/>
+                <a:ea typeface="微軟正黑體" pitchFamily="34" charset="-120"/>
               </a:rPr>
-              <a:t>恩典之路</a:t>
-            </a:r>
-            <a:endParaRPr lang="en-US" sz="4800" b="1" dirty="0">
-              <a:latin typeface="Microsoft JhengHei" panose="020B0604030504040204" pitchFamily="34" charset="-120"/>
-              <a:ea typeface="Microsoft JhengHei" panose="020B0604030504040204" pitchFamily="34" charset="-120"/>
-            </a:endParaRPr>
-          </a:p>
-        </p:txBody>
-      </p:sp>
-      <p:sp>
-        <p:nvSpPr>
-          <p:cNvPr id="3" name="Content Placeholder 2"/>
-          <p:cNvSpPr>
-            <a:spLocks noGrp="1"/>
-          </p:cNvSpPr>
-          <p:nvPr>
-            <p:ph idx="1"/>
-          </p:nvPr>
-        </p:nvSpPr>
-        <p:spPr/>
-        <p:txBody>
-          <a:bodyPr>
-            <a:normAutofit/>
-          </a:bodyPr>
-          <a:lstStyle/>
-          <a:p>
-            <a:pPr marL="0" indent="0" algn="ctr">
-              <a:buNone/>
-            </a:pPr>
-            <a:r>
-              <a:rPr lang="zh-TW" altLang="en-US" sz="5400" b="1" dirty="0">
-                <a:latin typeface="Microsoft JhengHei" panose="020B0604030504040204" pitchFamily="34" charset="-120"/>
-                <a:ea typeface="Microsoft JhengHei" panose="020B0604030504040204" pitchFamily="34" charset="-120"/>
+              <a:t>恩</a:t>
+            </a:r>
+            <a:r>
+              <a:rPr lang="zh-CN" altLang="en-US" sz="7200" b="1" i="1" dirty="0">
+                <a:solidFill>
+                  <a:srgbClr val="000066"/>
+                </a:solidFill>
+                <a:effectLst>
+                  <a:outerShdw blurRad="38100" dist="38100" dir="2700000" algn="tl">
+                    <a:srgbClr val="000000">
+                      <a:alpha val="43137"/>
+                    </a:srgbClr>
+                  </a:outerShdw>
+                </a:effectLst>
+                <a:latin typeface="微軟正黑體" pitchFamily="34" charset="-120"/>
+                <a:ea typeface="微軟正黑體" pitchFamily="34" charset="-120"/>
               </a:rPr>
-              <a:t>你是我的</a:t>
-            </a:r>
-            <a:r>
-              <a:rPr lang="zh-TW" altLang="en-US" sz="5400" b="1" dirty="0" smtClean="0">
-                <a:latin typeface="Microsoft JhengHei" panose="020B0604030504040204" pitchFamily="34" charset="-120"/>
-                <a:ea typeface="Microsoft JhengHei" panose="020B0604030504040204" pitchFamily="34" charset="-120"/>
-              </a:rPr>
-              <a:t>主  引</a:t>
-            </a:r>
-            <a:r>
-              <a:rPr lang="zh-TW" altLang="en-US" sz="5400" b="1" dirty="0">
-                <a:latin typeface="Microsoft JhengHei" panose="020B0604030504040204" pitchFamily="34" charset="-120"/>
-                <a:ea typeface="Microsoft JhengHei" panose="020B0604030504040204" pitchFamily="34" charset="-120"/>
-              </a:rPr>
-              <a:t>我走正義</a:t>
-            </a:r>
-            <a:r>
-              <a:rPr lang="zh-TW" altLang="en-US" sz="5400" b="1" dirty="0" smtClean="0">
-                <a:latin typeface="Microsoft JhengHei" panose="020B0604030504040204" pitchFamily="34" charset="-120"/>
-                <a:ea typeface="Microsoft JhengHei" panose="020B0604030504040204" pitchFamily="34" charset="-120"/>
-              </a:rPr>
-              <a:t>路</a:t>
-            </a:r>
-            <a:endParaRPr lang="en-US" altLang="zh-TW" sz="5400" b="1" dirty="0" smtClean="0">
-              <a:latin typeface="Microsoft JhengHei" panose="020B0604030504040204" pitchFamily="34" charset="-120"/>
-              <a:ea typeface="Microsoft JhengHei" panose="020B0604030504040204" pitchFamily="34" charset="-120"/>
-            </a:endParaRPr>
-          </a:p>
-          <a:p>
-            <a:pPr marL="0" indent="0" algn="ctr">
-              <a:buNone/>
-            </a:pPr>
-            <a:r>
-              <a:rPr lang="zh-TW" altLang="en-US" sz="5400" b="1" dirty="0" smtClean="0">
-                <a:latin typeface="Microsoft JhengHei" panose="020B0604030504040204" pitchFamily="34" charset="-120"/>
-                <a:ea typeface="Microsoft JhengHei" panose="020B0604030504040204" pitchFamily="34" charset="-120"/>
-              </a:rPr>
-              <a:t>高</a:t>
-            </a:r>
-            <a:r>
-              <a:rPr lang="zh-TW" altLang="en-US" sz="5400" b="1" dirty="0">
-                <a:latin typeface="Microsoft JhengHei" panose="020B0604030504040204" pitchFamily="34" charset="-120"/>
-                <a:ea typeface="Microsoft JhengHei" panose="020B0604030504040204" pitchFamily="34" charset="-120"/>
-              </a:rPr>
-              <a:t>山或低</a:t>
-            </a:r>
-            <a:r>
-              <a:rPr lang="zh-TW" altLang="en-US" sz="5400" b="1" dirty="0" smtClean="0">
-                <a:latin typeface="Microsoft JhengHei" panose="020B0604030504040204" pitchFamily="34" charset="-120"/>
-                <a:ea typeface="Microsoft JhengHei" panose="020B0604030504040204" pitchFamily="34" charset="-120"/>
-              </a:rPr>
-              <a:t>谷  都</a:t>
-            </a:r>
-            <a:r>
-              <a:rPr lang="zh-TW" altLang="en-US" sz="5400" b="1" dirty="0">
-                <a:latin typeface="Microsoft JhengHei" panose="020B0604030504040204" pitchFamily="34" charset="-120"/>
-                <a:ea typeface="Microsoft JhengHei" panose="020B0604030504040204" pitchFamily="34" charset="-120"/>
-              </a:rPr>
-              <a:t>是你在保</a:t>
-            </a:r>
-            <a:r>
-              <a:rPr lang="zh-TW" altLang="en-US" sz="5400" b="1" dirty="0" smtClean="0">
-                <a:latin typeface="Microsoft JhengHei" panose="020B0604030504040204" pitchFamily="34" charset="-120"/>
-                <a:ea typeface="Microsoft JhengHei" panose="020B0604030504040204" pitchFamily="34" charset="-120"/>
-              </a:rPr>
-              <a:t>護</a:t>
-            </a:r>
-            <a:endParaRPr lang="en-US" altLang="zh-TW" sz="5400" b="1" dirty="0" smtClean="0">
-              <a:latin typeface="Microsoft JhengHei" panose="020B0604030504040204" pitchFamily="34" charset="-120"/>
-              <a:ea typeface="Microsoft JhengHei" panose="020B0604030504040204" pitchFamily="34" charset="-120"/>
-            </a:endParaRPr>
-          </a:p>
-          <a:p>
-            <a:pPr marL="0" indent="0" algn="ctr">
-              <a:buNone/>
-            </a:pPr>
-            <a:r>
-              <a:rPr lang="zh-TW" altLang="en-US" sz="5400" b="1" dirty="0">
-                <a:latin typeface="Microsoft JhengHei" panose="020B0604030504040204" pitchFamily="34" charset="-120"/>
-                <a:ea typeface="Microsoft JhengHei" panose="020B0604030504040204" pitchFamily="34" charset="-120"/>
-              </a:rPr>
-              <a:t>萬人中唯</a:t>
-            </a:r>
-            <a:r>
-              <a:rPr lang="zh-TW" altLang="en-US" sz="5400" b="1" dirty="0">
-                <a:latin typeface="Microsoft JhengHei" panose="020B0604030504040204" pitchFamily="34" charset="-120"/>
-                <a:ea typeface="Microsoft JhengHei" panose="020B0604030504040204" pitchFamily="34" charset="-120"/>
-              </a:rPr>
-              <a:t>獨  你</a:t>
-            </a:r>
-            <a:r>
-              <a:rPr lang="zh-TW" altLang="en-US" sz="5400" b="1" dirty="0">
-                <a:latin typeface="Microsoft JhengHei" panose="020B0604030504040204" pitchFamily="34" charset="-120"/>
-                <a:ea typeface="Microsoft JhengHei" panose="020B0604030504040204" pitchFamily="34" charset="-120"/>
-              </a:rPr>
-              <a:t>愛我認識</a:t>
-            </a:r>
-            <a:r>
-              <a:rPr lang="zh-TW" altLang="en-US" sz="5400" b="1" dirty="0">
-                <a:latin typeface="Microsoft JhengHei" panose="020B0604030504040204" pitchFamily="34" charset="-120"/>
-                <a:ea typeface="Microsoft JhengHei" panose="020B0604030504040204" pitchFamily="34" charset="-120"/>
-              </a:rPr>
-              <a:t>我</a:t>
-            </a:r>
-            <a:endParaRPr lang="en-US" altLang="zh-TW" sz="5400" b="1" dirty="0">
-              <a:latin typeface="Microsoft JhengHei" panose="020B0604030504040204" pitchFamily="34" charset="-120"/>
-              <a:ea typeface="Microsoft JhengHei" panose="020B0604030504040204" pitchFamily="34" charset="-120"/>
-            </a:endParaRPr>
-          </a:p>
-          <a:p>
-            <a:pPr marL="0" indent="0" algn="ctr">
-              <a:buNone/>
-            </a:pPr>
-            <a:r>
-              <a:rPr lang="zh-TW" altLang="en-US" sz="5400" b="1" dirty="0">
-                <a:latin typeface="Microsoft JhengHei" panose="020B0604030504040204" pitchFamily="34" charset="-120"/>
-                <a:ea typeface="Microsoft JhengHei" panose="020B0604030504040204" pitchFamily="34" charset="-120"/>
-              </a:rPr>
-              <a:t>永</a:t>
-            </a:r>
-            <a:r>
-              <a:rPr lang="zh-TW" altLang="en-US" sz="5400" b="1" dirty="0">
-                <a:latin typeface="Microsoft JhengHei" panose="020B0604030504040204" pitchFamily="34" charset="-120"/>
-                <a:ea typeface="Microsoft JhengHei" panose="020B0604030504040204" pitchFamily="34" charset="-120"/>
-              </a:rPr>
-              <a:t>遠不變的應</a:t>
-            </a:r>
-            <a:r>
-              <a:rPr lang="zh-TW" altLang="en-US" sz="5400" b="1" dirty="0">
-                <a:latin typeface="Microsoft JhengHei" panose="020B0604030504040204" pitchFamily="34" charset="-120"/>
-                <a:ea typeface="Microsoft JhengHei" panose="020B0604030504040204" pitchFamily="34" charset="-120"/>
-              </a:rPr>
-              <a:t>許  這</a:t>
-            </a:r>
-            <a:r>
-              <a:rPr lang="zh-TW" altLang="en-US" sz="5400" b="1" dirty="0">
-                <a:latin typeface="Microsoft JhengHei" panose="020B0604030504040204" pitchFamily="34" charset="-120"/>
-                <a:ea typeface="Microsoft JhengHei" panose="020B0604030504040204" pitchFamily="34" charset="-120"/>
-              </a:rPr>
-              <a:t>一生都是祝福</a:t>
-            </a:r>
-            <a:endParaRPr lang="en-US" sz="5400" b="1" dirty="0">
-              <a:latin typeface="Microsoft JhengHei" panose="020B0604030504040204" pitchFamily="34" charset="-120"/>
-              <a:ea typeface="Microsoft JhengHei" panose="020B0604030504040204" pitchFamily="34" charset="-120"/>
+              <a:t>典之路</a:t>
+            </a:r>
+            <a:endParaRPr lang="zh-TW" altLang="en-US" sz="7200" b="1" i="1" dirty="0">
+              <a:solidFill>
+                <a:srgbClr val="000066"/>
+              </a:solidFill>
+              <a:effectLst>
+                <a:outerShdw blurRad="38100" dist="38100" dir="2700000" algn="tl">
+                  <a:srgbClr val="000000">
+                    <a:alpha val="43137"/>
+                  </a:srgbClr>
+                </a:outerShdw>
+              </a:effectLst>
+              <a:latin typeface="微軟正黑體" pitchFamily="34" charset="-120"/>
+              <a:ea typeface="微軟正黑體" pitchFamily="34" charset="-120"/>
             </a:endParaRPr>
           </a:p>
         </p:txBody>
@@ -3312,7 +3190,7 @@
     </p:spTree>
     <p:extLst>
       <p:ext uri="{BB962C8B-B14F-4D97-AF65-F5344CB8AC3E}">
-        <p14:creationId xmlns:p14="http://schemas.microsoft.com/office/powerpoint/2010/main" val="1845355456"/>
+        <p14:creationId xmlns:p14="http://schemas.microsoft.com/office/powerpoint/2010/main" val="2627441948"/>
       </p:ext>
     </p:extLst>
   </p:cSld>
@@ -3341,84 +3219,170 @@
       </p:grpSpPr>
       <p:sp>
         <p:nvSpPr>
-          <p:cNvPr id="2" name="Title 1"/>
-          <p:cNvSpPr>
-            <a:spLocks noGrp="1"/>
-          </p:cNvSpPr>
-          <p:nvPr>
-            <p:ph type="title"/>
-          </p:nvPr>
-        </p:nvSpPr>
-        <p:spPr/>
-        <p:txBody>
-          <a:bodyPr>
+          <p:cNvPr id="5" name="內容版面配置區 4"/>
+          <p:cNvSpPr>
+            <a:spLocks noGrp="1"/>
+          </p:cNvSpPr>
+          <p:nvPr>
+            <p:ph idx="1"/>
+          </p:nvPr>
+        </p:nvSpPr>
+        <p:spPr>
+          <a:xfrm>
+            <a:off x="0" y="2084851"/>
+            <a:ext cx="12192000" cy="2404863"/>
+          </a:xfrm>
+        </p:spPr>
+        <p:txBody>
+          <a:bodyPr anchor="ctr">
             <a:normAutofit/>
           </a:bodyPr>
           <a:lstStyle/>
           <a:p>
-            <a:r>
-              <a:rPr lang="zh-CN" altLang="en-US" sz="4800" b="1" dirty="0">
+            <a:pPr marL="0" indent="0" algn="ctr">
+              <a:buNone/>
+            </a:pPr>
+            <a:r>
+              <a:rPr lang="zh-CN" altLang="en-US" sz="6400" b="1" dirty="0">
+                <a:solidFill>
+                  <a:srgbClr val="000066"/>
+                </a:solidFill>
                 <a:latin typeface="Microsoft JhengHei" panose="020B0604030504040204" pitchFamily="34" charset="-120"/>
                 <a:ea typeface="Microsoft JhengHei" panose="020B0604030504040204" pitchFamily="34" charset="-120"/>
               </a:rPr>
-              <a:t>恩典之路</a:t>
-            </a:r>
-            <a:endParaRPr lang="en-US" sz="4800" b="1" dirty="0">
+              <a:t>袮</a:t>
+            </a:r>
+            <a:r>
+              <a:rPr lang="zh-TW" altLang="en-US" sz="6400" b="1" dirty="0">
+                <a:solidFill>
+                  <a:srgbClr val="000066"/>
+                </a:solidFill>
+                <a:latin typeface="Microsoft JhengHei" panose="020B0604030504040204" pitchFamily="34" charset="-120"/>
+                <a:ea typeface="Microsoft JhengHei" panose="020B0604030504040204" pitchFamily="34" charset="-120"/>
+              </a:rPr>
+              <a:t>是我的主  引我走正義路</a:t>
+            </a:r>
+            <a:endParaRPr lang="en-US" altLang="zh-TW" sz="6400" b="1" dirty="0">
+              <a:solidFill>
+                <a:srgbClr val="000066"/>
+              </a:solidFill>
               <a:latin typeface="Microsoft JhengHei" panose="020B0604030504040204" pitchFamily="34" charset="-120"/>
               <a:ea typeface="Microsoft JhengHei" panose="020B0604030504040204" pitchFamily="34" charset="-120"/>
             </a:endParaRPr>
           </a:p>
-        </p:txBody>
-      </p:sp>
-      <p:sp>
-        <p:nvSpPr>
-          <p:cNvPr id="3" name="Content Placeholder 2"/>
-          <p:cNvSpPr>
-            <a:spLocks noGrp="1"/>
-          </p:cNvSpPr>
-          <p:nvPr>
-            <p:ph idx="1"/>
-          </p:nvPr>
-        </p:nvSpPr>
-        <p:spPr/>
-        <p:txBody>
-          <a:bodyPr>
-            <a:normAutofit/>
-          </a:bodyPr>
-          <a:lstStyle/>
           <a:p>
             <a:pPr marL="0" indent="0" algn="ctr">
               <a:buNone/>
             </a:pPr>
             <a:r>
-              <a:rPr lang="zh-TW" altLang="en-US" sz="5400" b="1" dirty="0">
+              <a:rPr lang="zh-TW" altLang="en-US" sz="6400" b="1" dirty="0">
+                <a:solidFill>
+                  <a:srgbClr val="000066"/>
+                </a:solidFill>
                 <a:latin typeface="Microsoft JhengHei" panose="020B0604030504040204" pitchFamily="34" charset="-120"/>
                 <a:ea typeface="Microsoft JhengHei" panose="020B0604030504040204" pitchFamily="34" charset="-120"/>
               </a:rPr>
-              <a:t>一步又一</a:t>
-            </a:r>
-            <a:r>
-              <a:rPr lang="zh-TW" altLang="en-US" sz="5400" b="1" dirty="0">
+              <a:t>高山或低谷  都是</a:t>
+            </a:r>
+            <a:r>
+              <a:rPr lang="zh-CN" altLang="en-US" sz="6400" b="1" dirty="0">
+                <a:solidFill>
+                  <a:srgbClr val="000066"/>
+                </a:solidFill>
                 <a:latin typeface="Microsoft JhengHei" panose="020B0604030504040204" pitchFamily="34" charset="-120"/>
                 <a:ea typeface="Microsoft JhengHei" panose="020B0604030504040204" pitchFamily="34" charset="-120"/>
               </a:rPr>
-              <a:t>步  這</a:t>
-            </a:r>
-            <a:r>
-              <a:rPr lang="zh-TW" altLang="en-US" sz="5400" b="1" dirty="0">
+              <a:t>袮</a:t>
+            </a:r>
+            <a:r>
+              <a:rPr lang="zh-TW" altLang="en-US" sz="6400" b="1" dirty="0">
+                <a:solidFill>
+                  <a:srgbClr val="000066"/>
+                </a:solidFill>
                 <a:latin typeface="Microsoft JhengHei" panose="020B0604030504040204" pitchFamily="34" charset="-120"/>
                 <a:ea typeface="Microsoft JhengHei" panose="020B0604030504040204" pitchFamily="34" charset="-120"/>
               </a:rPr>
-              <a:t>是恩典之</a:t>
-            </a:r>
-            <a:r>
-              <a:rPr lang="zh-TW" altLang="en-US" sz="5400" b="1" dirty="0">
+              <a:t>在保護</a:t>
+            </a:r>
+            <a:endParaRPr lang="en-US" altLang="zh-TW" sz="6400" b="1" dirty="0">
+              <a:solidFill>
+                <a:srgbClr val="000066"/>
+              </a:solidFill>
+              <a:latin typeface="Microsoft JhengHei" panose="020B0604030504040204" pitchFamily="34" charset="-120"/>
+              <a:ea typeface="Microsoft JhengHei" panose="020B0604030504040204" pitchFamily="34" charset="-120"/>
+            </a:endParaRPr>
+          </a:p>
+        </p:txBody>
+      </p:sp>
+    </p:spTree>
+    <p:extLst>
+      <p:ext uri="{BB962C8B-B14F-4D97-AF65-F5344CB8AC3E}">
+        <p14:creationId xmlns:p14="http://schemas.microsoft.com/office/powerpoint/2010/main" val="167351061"/>
+      </p:ext>
+    </p:extLst>
+  </p:cSld>
+  <p:clrMapOvr>
+    <a:masterClrMapping/>
+  </p:clrMapOvr>
+</p:sld>
+</file>
+
+<file path=ppt/slides/slide3.xml><?xml version="1.0" encoding="utf-8"?>
+<p:sld xmlns:a="http://schemas.openxmlformats.org/drawingml/2006/main" xmlns:r="http://schemas.openxmlformats.org/officeDocument/2006/relationships" xmlns:p="http://schemas.openxmlformats.org/presentationml/2006/main">
+  <p:cSld>
+    <p:spTree>
+      <p:nvGrpSpPr>
+        <p:cNvPr id="1" name=""/>
+        <p:cNvGrpSpPr/>
+        <p:nvPr/>
+      </p:nvGrpSpPr>
+      <p:grpSpPr>
+        <a:xfrm>
+          <a:off x="0" y="0"/>
+          <a:ext cx="0" cy="0"/>
+          <a:chOff x="0" y="0"/>
+          <a:chExt cx="0" cy="0"/>
+        </a:xfrm>
+      </p:grpSpPr>
+      <p:sp>
+        <p:nvSpPr>
+          <p:cNvPr id="5" name="內容版面配置區 4"/>
+          <p:cNvSpPr>
+            <a:spLocks noGrp="1"/>
+          </p:cNvSpPr>
+          <p:nvPr>
+            <p:ph idx="1"/>
+          </p:nvPr>
+        </p:nvSpPr>
+        <p:spPr>
+          <a:xfrm>
+            <a:off x="0" y="2084851"/>
+            <a:ext cx="12192000" cy="2404863"/>
+          </a:xfrm>
+        </p:spPr>
+        <p:txBody>
+          <a:bodyPr anchor="ctr">
+            <a:normAutofit/>
+          </a:bodyPr>
+          <a:lstStyle/>
+          <a:p>
+            <a:pPr marL="0" indent="0" algn="ctr">
+              <a:buNone/>
+            </a:pPr>
+            <a:r>
+              <a:rPr lang="zh-TW" altLang="en-US" sz="6400" b="1" dirty="0">
+                <a:solidFill>
+                  <a:srgbClr val="000066"/>
+                </a:solidFill>
                 <a:latin typeface="Microsoft JhengHei" panose="020B0604030504040204" pitchFamily="34" charset="-120"/>
                 <a:ea typeface="Microsoft JhengHei" panose="020B0604030504040204" pitchFamily="34" charset="-120"/>
               </a:rPr>
-              <a:t>路</a:t>
-            </a:r>
-            <a:endParaRPr lang="en-US" altLang="zh-TW" sz="5400" b="1" dirty="0">
+              <a:t>萬人中唯獨  </a:t>
+            </a:r>
+            <a:endParaRPr lang="en-US" altLang="zh-TW" sz="6400" b="1" dirty="0">
+              <a:solidFill>
+                <a:srgbClr val="000066"/>
+              </a:solidFill>
               <a:latin typeface="Microsoft JhengHei" panose="020B0604030504040204" pitchFamily="34" charset="-120"/>
               <a:ea typeface="Microsoft JhengHei" panose="020B0604030504040204" pitchFamily="34" charset="-120"/>
             </a:endParaRPr>
@@ -3428,27 +3392,104 @@
               <a:buNone/>
             </a:pPr>
             <a:r>
-              <a:rPr lang="zh-TW" altLang="en-US" sz="5400" b="1" dirty="0">
+              <a:rPr lang="zh-CN" altLang="en-US" sz="6400" b="1" dirty="0">
+                <a:solidFill>
+                  <a:srgbClr val="000066"/>
+                </a:solidFill>
                 <a:latin typeface="Microsoft JhengHei" panose="020B0604030504040204" pitchFamily="34" charset="-120"/>
                 <a:ea typeface="Microsoft JhengHei" panose="020B0604030504040204" pitchFamily="34" charset="-120"/>
               </a:rPr>
-              <a:t>你愛  你手  將</a:t>
-            </a:r>
-            <a:r>
-              <a:rPr lang="zh-TW" altLang="en-US" sz="5400" b="1" dirty="0">
+              <a:t>袮</a:t>
+            </a:r>
+            <a:r>
+              <a:rPr lang="zh-TW" altLang="en-US" sz="6400" b="1" dirty="0">
+                <a:solidFill>
+                  <a:srgbClr val="000066"/>
+                </a:solidFill>
                 <a:latin typeface="Microsoft JhengHei" panose="020B0604030504040204" pitchFamily="34" charset="-120"/>
                 <a:ea typeface="Microsoft JhengHei" panose="020B0604030504040204" pitchFamily="34" charset="-120"/>
               </a:rPr>
-              <a:t>我緊緊抓</a:t>
-            </a:r>
-            <a:r>
-              <a:rPr lang="zh-TW" altLang="en-US" sz="5400" b="1" dirty="0">
+              <a:t>愛我認識我</a:t>
+            </a:r>
+            <a:endParaRPr lang="en-US" sz="6400" b="1" dirty="0">
+              <a:solidFill>
+                <a:srgbClr val="000066"/>
+              </a:solidFill>
+              <a:latin typeface="Microsoft JhengHei" panose="020B0604030504040204" pitchFamily="34" charset="-120"/>
+              <a:ea typeface="Microsoft JhengHei" panose="020B0604030504040204" pitchFamily="34" charset="-120"/>
+            </a:endParaRPr>
+          </a:p>
+        </p:txBody>
+      </p:sp>
+    </p:spTree>
+    <p:extLst>
+      <p:ext uri="{BB962C8B-B14F-4D97-AF65-F5344CB8AC3E}">
+        <p14:creationId xmlns:p14="http://schemas.microsoft.com/office/powerpoint/2010/main" val="455271415"/>
+      </p:ext>
+    </p:extLst>
+  </p:cSld>
+  <p:clrMapOvr>
+    <a:masterClrMapping/>
+  </p:clrMapOvr>
+</p:sld>
+</file>
+
+<file path=ppt/slides/slide4.xml><?xml version="1.0" encoding="utf-8"?>
+<p:sld xmlns:a="http://schemas.openxmlformats.org/drawingml/2006/main" xmlns:r="http://schemas.openxmlformats.org/officeDocument/2006/relationships" xmlns:p="http://schemas.openxmlformats.org/presentationml/2006/main">
+  <p:cSld>
+    <p:spTree>
+      <p:nvGrpSpPr>
+        <p:cNvPr id="1" name=""/>
+        <p:cNvGrpSpPr/>
+        <p:nvPr/>
+      </p:nvGrpSpPr>
+      <p:grpSpPr>
+        <a:xfrm>
+          <a:off x="0" y="0"/>
+          <a:ext cx="0" cy="0"/>
+          <a:chOff x="0" y="0"/>
+          <a:chExt cx="0" cy="0"/>
+        </a:xfrm>
+      </p:grpSpPr>
+      <p:sp>
+        <p:nvSpPr>
+          <p:cNvPr id="5" name="內容版面配置區 4"/>
+          <p:cNvSpPr>
+            <a:spLocks noGrp="1"/>
+          </p:cNvSpPr>
+          <p:nvPr>
+            <p:ph idx="1"/>
+          </p:nvPr>
+        </p:nvSpPr>
+        <p:spPr>
+          <a:xfrm>
+            <a:off x="0" y="2084851"/>
+            <a:ext cx="12192000" cy="2404863"/>
+          </a:xfrm>
+        </p:spPr>
+        <p:txBody>
+          <a:bodyPr anchor="ctr">
+            <a:normAutofit/>
+          </a:bodyPr>
+          <a:lstStyle/>
+          <a:p>
+            <a:pPr marL="0" indent="0" algn="ctr">
+              <a:buNone/>
+            </a:pPr>
+            <a:r>
+              <a:rPr lang="zh-TW" altLang="en-US" sz="6400" b="1" dirty="0">
+                <a:solidFill>
+                  <a:srgbClr val="000066"/>
+                </a:solidFill>
                 <a:latin typeface="Microsoft JhengHei" panose="020B0604030504040204" pitchFamily="34" charset="-120"/>
                 <a:ea typeface="Microsoft JhengHei" panose="020B0604030504040204" pitchFamily="34" charset="-120"/>
               </a:rPr>
-              <a:t>住</a:t>
-            </a:r>
-            <a:endParaRPr lang="en-US" altLang="zh-TW" sz="5400" b="1" dirty="0">
+              <a:t>永遠不變的應許</a:t>
+            </a:r>
+            <a:endParaRPr lang="en-US" altLang="zh-TW" sz="6400" b="1" dirty="0">
+              <a:solidFill>
+                <a:srgbClr val="000066"/>
+              </a:solidFill>
               <a:latin typeface="Microsoft JhengHei" panose="020B0604030504040204" pitchFamily="34" charset="-120"/>
               <a:ea typeface="Microsoft JhengHei" panose="020B0604030504040204" pitchFamily="34" charset="-120"/>
             </a:endParaRPr>
@@ -3458,64 +3499,273 @@
               <a:buNone/>
             </a:pPr>
             <a:r>
-              <a:rPr lang="zh-TW" altLang="en-US" sz="5400" b="1" dirty="0">
+              <a:rPr lang="zh-TW" altLang="en-US" sz="6400" b="1" dirty="0">
+                <a:solidFill>
+                  <a:srgbClr val="000066"/>
+                </a:solidFill>
                 <a:latin typeface="Microsoft JhengHei" panose="020B0604030504040204" pitchFamily="34" charset="-120"/>
                 <a:ea typeface="Microsoft JhengHei" panose="020B0604030504040204" pitchFamily="34" charset="-120"/>
               </a:rPr>
-              <a:t>一</a:t>
-            </a:r>
-            <a:r>
-              <a:rPr lang="zh-TW" altLang="en-US" sz="5400" b="1" dirty="0">
+              <a:t>這一生都是祝福</a:t>
+            </a:r>
+            <a:endParaRPr lang="en-US" sz="6400" b="1" dirty="0">
+              <a:solidFill>
+                <a:srgbClr val="000066"/>
+              </a:solidFill>
+              <a:latin typeface="Microsoft JhengHei" panose="020B0604030504040204" pitchFamily="34" charset="-120"/>
+              <a:ea typeface="Microsoft JhengHei" panose="020B0604030504040204" pitchFamily="34" charset="-120"/>
+            </a:endParaRPr>
+          </a:p>
+        </p:txBody>
+      </p:sp>
+    </p:spTree>
+    <p:extLst>
+      <p:ext uri="{BB962C8B-B14F-4D97-AF65-F5344CB8AC3E}">
+        <p14:creationId xmlns:p14="http://schemas.microsoft.com/office/powerpoint/2010/main" val="4164423684"/>
+      </p:ext>
+    </p:extLst>
+  </p:cSld>
+  <p:clrMapOvr>
+    <a:masterClrMapping/>
+  </p:clrMapOvr>
+</p:sld>
+</file>
+
+<file path=ppt/slides/slide5.xml><?xml version="1.0" encoding="utf-8"?>
+<p:sld xmlns:a="http://schemas.openxmlformats.org/drawingml/2006/main" xmlns:r="http://schemas.openxmlformats.org/officeDocument/2006/relationships" xmlns:p="http://schemas.openxmlformats.org/presentationml/2006/main">
+  <p:cSld>
+    <p:spTree>
+      <p:nvGrpSpPr>
+        <p:cNvPr id="1" name=""/>
+        <p:cNvGrpSpPr/>
+        <p:nvPr/>
+      </p:nvGrpSpPr>
+      <p:grpSpPr>
+        <a:xfrm>
+          <a:off x="0" y="0"/>
+          <a:ext cx="0" cy="0"/>
+          <a:chOff x="0" y="0"/>
+          <a:chExt cx="0" cy="0"/>
+        </a:xfrm>
+      </p:grpSpPr>
+      <p:sp>
+        <p:nvSpPr>
+          <p:cNvPr id="5" name="內容版面配置區 4"/>
+          <p:cNvSpPr>
+            <a:spLocks noGrp="1"/>
+          </p:cNvSpPr>
+          <p:nvPr>
+            <p:ph idx="1"/>
+          </p:nvPr>
+        </p:nvSpPr>
+        <p:spPr>
+          <a:xfrm>
+            <a:off x="0" y="2084851"/>
+            <a:ext cx="12192000" cy="2404863"/>
+          </a:xfrm>
+        </p:spPr>
+        <p:txBody>
+          <a:bodyPr anchor="ctr">
+            <a:normAutofit/>
+          </a:bodyPr>
+          <a:lstStyle/>
+          <a:p>
+            <a:pPr marL="0" indent="0" algn="ctr">
+              <a:buNone/>
+            </a:pPr>
+            <a:r>
+              <a:rPr lang="zh-TW" altLang="en-US" sz="6400" b="1" dirty="0">
+                <a:solidFill>
+                  <a:srgbClr val="000066"/>
+                </a:solidFill>
                 <a:latin typeface="Microsoft JhengHei" panose="020B0604030504040204" pitchFamily="34" charset="-120"/>
                 <a:ea typeface="Microsoft JhengHei" panose="020B0604030504040204" pitchFamily="34" charset="-120"/>
               </a:rPr>
-              <a:t>步又一</a:t>
-            </a:r>
-            <a:r>
-              <a:rPr lang="zh-TW" altLang="en-US" sz="5400" b="1" dirty="0">
+              <a:t>一步又一步  這是恩典之路</a:t>
+            </a:r>
+            <a:endParaRPr lang="en-US" altLang="zh-TW" sz="6400" b="1" dirty="0">
+              <a:solidFill>
+                <a:srgbClr val="000066"/>
+              </a:solidFill>
+              <a:latin typeface="Microsoft JhengHei" panose="020B0604030504040204" pitchFamily="34" charset="-120"/>
+              <a:ea typeface="Microsoft JhengHei" panose="020B0604030504040204" pitchFamily="34" charset="-120"/>
+            </a:endParaRPr>
+          </a:p>
+          <a:p>
+            <a:pPr marL="0" indent="0" algn="ctr">
+              <a:buNone/>
+            </a:pPr>
+            <a:r>
+              <a:rPr lang="zh-CN" altLang="en-US" sz="6400" b="1" dirty="0">
+                <a:solidFill>
+                  <a:srgbClr val="000066"/>
+                </a:solidFill>
                 <a:latin typeface="Microsoft JhengHei" panose="020B0604030504040204" pitchFamily="34" charset="-120"/>
                 <a:ea typeface="Microsoft JhengHei" panose="020B0604030504040204" pitchFamily="34" charset="-120"/>
               </a:rPr>
-              <a:t>步  這</a:t>
-            </a:r>
-            <a:r>
-              <a:rPr lang="zh-TW" altLang="en-US" sz="5400" b="1" dirty="0">
+              <a:t>袮</a:t>
+            </a:r>
+            <a:r>
+              <a:rPr lang="zh-TW" altLang="en-US" sz="6400" b="1" dirty="0">
+                <a:solidFill>
+                  <a:srgbClr val="000066"/>
+                </a:solidFill>
                 <a:latin typeface="Microsoft JhengHei" panose="020B0604030504040204" pitchFamily="34" charset="-120"/>
                 <a:ea typeface="Microsoft JhengHei" panose="020B0604030504040204" pitchFamily="34" charset="-120"/>
               </a:rPr>
-              <a:t>是盼望之</a:t>
-            </a:r>
-            <a:r>
-              <a:rPr lang="zh-TW" altLang="en-US" sz="5400" b="1" dirty="0">
+              <a:t>愛  </a:t>
+            </a:r>
+            <a:r>
+              <a:rPr lang="zh-CN" altLang="en-US" sz="6400" b="1" dirty="0">
+                <a:solidFill>
+                  <a:srgbClr val="000066"/>
+                </a:solidFill>
                 <a:latin typeface="Microsoft JhengHei" panose="020B0604030504040204" pitchFamily="34" charset="-120"/>
                 <a:ea typeface="Microsoft JhengHei" panose="020B0604030504040204" pitchFamily="34" charset="-120"/>
               </a:rPr>
-              <a:t>路</a:t>
-            </a:r>
-            <a:endParaRPr lang="en-US" altLang="zh-TW" sz="5400" b="1" dirty="0">
+              <a:t>袮</a:t>
+            </a:r>
+            <a:r>
+              <a:rPr lang="zh-TW" altLang="en-US" sz="6400" b="1" dirty="0">
+                <a:solidFill>
+                  <a:srgbClr val="000066"/>
+                </a:solidFill>
+                <a:latin typeface="Microsoft JhengHei" panose="020B0604030504040204" pitchFamily="34" charset="-120"/>
+                <a:ea typeface="Microsoft JhengHei" panose="020B0604030504040204" pitchFamily="34" charset="-120"/>
+              </a:rPr>
+              <a:t>手  將我緊緊抓住</a:t>
+            </a:r>
+            <a:endParaRPr lang="en-US" altLang="zh-TW" sz="6400" b="1" dirty="0">
+              <a:solidFill>
+                <a:srgbClr val="000066"/>
+              </a:solidFill>
               <a:latin typeface="Microsoft JhengHei" panose="020B0604030504040204" pitchFamily="34" charset="-120"/>
               <a:ea typeface="Microsoft JhengHei" panose="020B0604030504040204" pitchFamily="34" charset="-120"/>
             </a:endParaRPr>
           </a:p>
+        </p:txBody>
+      </p:sp>
+    </p:spTree>
+    <p:extLst>
+      <p:ext uri="{BB962C8B-B14F-4D97-AF65-F5344CB8AC3E}">
+        <p14:creationId xmlns:p14="http://schemas.microsoft.com/office/powerpoint/2010/main" val="333238347"/>
+      </p:ext>
+    </p:extLst>
+  </p:cSld>
+  <p:clrMapOvr>
+    <a:masterClrMapping/>
+  </p:clrMapOvr>
+</p:sld>
+</file>
+
+<file path=ppt/slides/slide6.xml><?xml version="1.0" encoding="utf-8"?>
+<p:sld xmlns:a="http://schemas.openxmlformats.org/drawingml/2006/main" xmlns:r="http://schemas.openxmlformats.org/officeDocument/2006/relationships" xmlns:p="http://schemas.openxmlformats.org/presentationml/2006/main">
+  <p:cSld>
+    <p:spTree>
+      <p:nvGrpSpPr>
+        <p:cNvPr id="1" name=""/>
+        <p:cNvGrpSpPr/>
+        <p:nvPr/>
+      </p:nvGrpSpPr>
+      <p:grpSpPr>
+        <a:xfrm>
+          <a:off x="0" y="0"/>
+          <a:ext cx="0" cy="0"/>
+          <a:chOff x="0" y="0"/>
+          <a:chExt cx="0" cy="0"/>
+        </a:xfrm>
+      </p:grpSpPr>
+      <p:sp>
+        <p:nvSpPr>
+          <p:cNvPr id="5" name="內容版面配置區 4"/>
+          <p:cNvSpPr>
+            <a:spLocks noGrp="1"/>
+          </p:cNvSpPr>
+          <p:nvPr>
+            <p:ph idx="1"/>
+          </p:nvPr>
+        </p:nvSpPr>
+        <p:spPr>
+          <a:xfrm>
+            <a:off x="0" y="2084851"/>
+            <a:ext cx="12192000" cy="2404863"/>
+          </a:xfrm>
+        </p:spPr>
+        <p:txBody>
+          <a:bodyPr anchor="ctr">
+            <a:normAutofit/>
+          </a:bodyPr>
+          <a:lstStyle/>
           <a:p>
             <a:pPr marL="0" indent="0" algn="ctr">
               <a:buNone/>
             </a:pPr>
             <a:r>
-              <a:rPr lang="zh-TW" altLang="en-US" sz="5400" b="1" dirty="0">
+              <a:rPr lang="zh-TW" altLang="en-US" sz="6400" b="1" dirty="0">
+                <a:solidFill>
+                  <a:srgbClr val="000066"/>
+                </a:solidFill>
                 <a:latin typeface="Microsoft JhengHei" panose="020B0604030504040204" pitchFamily="34" charset="-120"/>
                 <a:ea typeface="Microsoft JhengHei" panose="020B0604030504040204" pitchFamily="34" charset="-120"/>
               </a:rPr>
-              <a:t>你愛  你手  牽</a:t>
-            </a:r>
-            <a:r>
-              <a:rPr lang="zh-TW" altLang="en-US" sz="5400" b="1" dirty="0">
+              <a:t>一步又一步  這是盼望之路</a:t>
+            </a:r>
+            <a:endParaRPr lang="en-US" altLang="zh-TW" sz="6400" b="1" dirty="0">
+              <a:solidFill>
+                <a:srgbClr val="000066"/>
+              </a:solidFill>
+              <a:latin typeface="Microsoft JhengHei" panose="020B0604030504040204" pitchFamily="34" charset="-120"/>
+              <a:ea typeface="Microsoft JhengHei" panose="020B0604030504040204" pitchFamily="34" charset="-120"/>
+            </a:endParaRPr>
+          </a:p>
+          <a:p>
+            <a:pPr marL="0" indent="0" algn="ctr">
+              <a:buNone/>
+            </a:pPr>
+            <a:r>
+              <a:rPr lang="zh-CN" altLang="en-US" sz="6400" b="1" dirty="0">
+                <a:solidFill>
+                  <a:srgbClr val="000066"/>
+                </a:solidFill>
                 <a:latin typeface="Microsoft JhengHei" panose="020B0604030504040204" pitchFamily="34" charset="-120"/>
                 <a:ea typeface="Microsoft JhengHei" panose="020B0604030504040204" pitchFamily="34" charset="-120"/>
               </a:rPr>
-              <a:t>引我走這人生路</a:t>
-            </a:r>
-            <a:endParaRPr lang="en-US" sz="5400" b="1" dirty="0">
+              <a:t>袮</a:t>
+            </a:r>
+            <a:r>
+              <a:rPr lang="zh-TW" altLang="en-US" sz="6400" b="1" dirty="0">
+                <a:solidFill>
+                  <a:srgbClr val="000066"/>
+                </a:solidFill>
+                <a:latin typeface="Microsoft JhengHei" panose="020B0604030504040204" pitchFamily="34" charset="-120"/>
+                <a:ea typeface="Microsoft JhengHei" panose="020B0604030504040204" pitchFamily="34" charset="-120"/>
+              </a:rPr>
+              <a:t>愛  </a:t>
+            </a:r>
+            <a:r>
+              <a:rPr lang="zh-CN" altLang="en-US" sz="6400" b="1" dirty="0">
+                <a:solidFill>
+                  <a:srgbClr val="000066"/>
+                </a:solidFill>
+                <a:latin typeface="Microsoft JhengHei" panose="020B0604030504040204" pitchFamily="34" charset="-120"/>
+                <a:ea typeface="Microsoft JhengHei" panose="020B0604030504040204" pitchFamily="34" charset="-120"/>
+              </a:rPr>
+              <a:t>袮</a:t>
+            </a:r>
+            <a:r>
+              <a:rPr lang="zh-TW" altLang="en-US" sz="6400" b="1" dirty="0">
+                <a:solidFill>
+                  <a:srgbClr val="000066"/>
+                </a:solidFill>
+                <a:latin typeface="Microsoft JhengHei" panose="020B0604030504040204" pitchFamily="34" charset="-120"/>
+                <a:ea typeface="Microsoft JhengHei" panose="020B0604030504040204" pitchFamily="34" charset="-120"/>
+              </a:rPr>
+              <a:t>手  牽引我走這人生路</a:t>
+            </a:r>
+            <a:endParaRPr lang="en-US" sz="6400" b="1" dirty="0">
+              <a:solidFill>
+                <a:srgbClr val="000066"/>
+              </a:solidFill>
               <a:latin typeface="Microsoft JhengHei" panose="020B0604030504040204" pitchFamily="34" charset="-120"/>
               <a:ea typeface="Microsoft JhengHei" panose="020B0604030504040204" pitchFamily="34" charset="-120"/>
             </a:endParaRPr>
@@ -3525,7 +3775,7 @@
     </p:spTree>
     <p:extLst>
       <p:ext uri="{BB962C8B-B14F-4D97-AF65-F5344CB8AC3E}">
-        <p14:creationId xmlns:p14="http://schemas.microsoft.com/office/powerpoint/2010/main" val="1465556567"/>
+        <p14:creationId xmlns:p14="http://schemas.microsoft.com/office/powerpoint/2010/main" val="1099278565"/>
       </p:ext>
     </p:extLst>
   </p:cSld>

--- a/恩典之路(崇拜版).pptx
+++ b/恩典之路(崇拜版).pptx
@@ -5,12 +5,12 @@
     <p:sldMasterId id="2147483660" r:id="rId1"/>
   </p:sldMasterIdLst>
   <p:sldIdLst>
-    <p:sldId id="256" r:id="rId2"/>
-    <p:sldId id="257" r:id="rId3"/>
-    <p:sldId id="258" r:id="rId4"/>
-    <p:sldId id="259" r:id="rId5"/>
-    <p:sldId id="260" r:id="rId6"/>
-    <p:sldId id="261" r:id="rId7"/>
+    <p:sldId id="262" r:id="rId2"/>
+    <p:sldId id="263" r:id="rId3"/>
+    <p:sldId id="264" r:id="rId4"/>
+    <p:sldId id="265" r:id="rId5"/>
+    <p:sldId id="266" r:id="rId6"/>
+    <p:sldId id="267" r:id="rId7"/>
   </p:sldIdLst>
   <p:sldSz cx="12192000" cy="6858000"/>
   <p:notesSz cx="6858000" cy="9144000"/>
@@ -298,7 +298,7 @@
           <a:p>
             <a:fld id="{44442084-CD32-4B52-A5E8-3FB177862133}" type="datetimeFigureOut">
               <a:rPr lang="en-US" smtClean="0"/>
-              <a:t>12/4/2020</a:t>
+              <a:t>2/2/2022</a:t>
             </a:fld>
             <a:endParaRPr lang="en-US"/>
           </a:p>
@@ -468,7 +468,7 @@
           <a:p>
             <a:fld id="{44442084-CD32-4B52-A5E8-3FB177862133}" type="datetimeFigureOut">
               <a:rPr lang="en-US" smtClean="0"/>
-              <a:t>12/4/2020</a:t>
+              <a:t>2/2/2022</a:t>
             </a:fld>
             <a:endParaRPr lang="en-US"/>
           </a:p>
@@ -648,7 +648,7 @@
           <a:p>
             <a:fld id="{44442084-CD32-4B52-A5E8-3FB177862133}" type="datetimeFigureOut">
               <a:rPr lang="en-US" smtClean="0"/>
-              <a:t>12/4/2020</a:t>
+              <a:t>2/2/2022</a:t>
             </a:fld>
             <a:endParaRPr lang="en-US"/>
           </a:p>
@@ -818,7 +818,7 @@
           <a:p>
             <a:fld id="{44442084-CD32-4B52-A5E8-3FB177862133}" type="datetimeFigureOut">
               <a:rPr lang="en-US" smtClean="0"/>
-              <a:t>12/4/2020</a:t>
+              <a:t>2/2/2022</a:t>
             </a:fld>
             <a:endParaRPr lang="en-US"/>
           </a:p>
@@ -1064,7 +1064,7 @@
           <a:p>
             <a:fld id="{44442084-CD32-4B52-A5E8-3FB177862133}" type="datetimeFigureOut">
               <a:rPr lang="en-US" smtClean="0"/>
-              <a:t>12/4/2020</a:t>
+              <a:t>2/2/2022</a:t>
             </a:fld>
             <a:endParaRPr lang="en-US"/>
           </a:p>
@@ -1352,7 +1352,7 @@
           <a:p>
             <a:fld id="{44442084-CD32-4B52-A5E8-3FB177862133}" type="datetimeFigureOut">
               <a:rPr lang="en-US" smtClean="0"/>
-              <a:t>12/4/2020</a:t>
+              <a:t>2/2/2022</a:t>
             </a:fld>
             <a:endParaRPr lang="en-US"/>
           </a:p>
@@ -1774,7 +1774,7 @@
           <a:p>
             <a:fld id="{44442084-CD32-4B52-A5E8-3FB177862133}" type="datetimeFigureOut">
               <a:rPr lang="en-US" smtClean="0"/>
-              <a:t>12/4/2020</a:t>
+              <a:t>2/2/2022</a:t>
             </a:fld>
             <a:endParaRPr lang="en-US"/>
           </a:p>
@@ -1892,7 +1892,7 @@
           <a:p>
             <a:fld id="{44442084-CD32-4B52-A5E8-3FB177862133}" type="datetimeFigureOut">
               <a:rPr lang="en-US" smtClean="0"/>
-              <a:t>12/4/2020</a:t>
+              <a:t>2/2/2022</a:t>
             </a:fld>
             <a:endParaRPr lang="en-US"/>
           </a:p>
@@ -1987,7 +1987,7 @@
           <a:p>
             <a:fld id="{44442084-CD32-4B52-A5E8-3FB177862133}" type="datetimeFigureOut">
               <a:rPr lang="en-US" smtClean="0"/>
-              <a:t>12/4/2020</a:t>
+              <a:t>2/2/2022</a:t>
             </a:fld>
             <a:endParaRPr lang="en-US"/>
           </a:p>
@@ -2264,7 +2264,7 @@
           <a:p>
             <a:fld id="{44442084-CD32-4B52-A5E8-3FB177862133}" type="datetimeFigureOut">
               <a:rPr lang="en-US" smtClean="0"/>
-              <a:t>12/4/2020</a:t>
+              <a:t>2/2/2022</a:t>
             </a:fld>
             <a:endParaRPr lang="en-US"/>
           </a:p>
@@ -2521,7 +2521,7 @@
           <a:p>
             <a:fld id="{44442084-CD32-4B52-A5E8-3FB177862133}" type="datetimeFigureOut">
               <a:rPr lang="en-US" smtClean="0"/>
-              <a:t>12/4/2020</a:t>
+              <a:t>2/2/2022</a:t>
             </a:fld>
             <a:endParaRPr lang="en-US"/>
           </a:p>
@@ -2739,7 +2739,7 @@
           <a:p>
             <a:fld id="{44442084-CD32-4B52-A5E8-3FB177862133}" type="datetimeFigureOut">
               <a:rPr lang="en-US" smtClean="0"/>
-              <a:t>12/4/2020</a:t>
+              <a:t>2/2/2022</a:t>
             </a:fld>
             <a:endParaRPr lang="en-US"/>
           </a:p>
@@ -3151,24 +3151,7 @@
                 <a:latin typeface="微軟正黑體" pitchFamily="34" charset="-120"/>
                 <a:ea typeface="微軟正黑體" pitchFamily="34" charset="-120"/>
               </a:rPr>
-              <a:t>恩</a:t>
-            </a:r>
-            <a:r>
-              <a:rPr lang="zh-CN" altLang="en-US" sz="7200" b="1" i="1" dirty="0">
-                <a:solidFill>
-                  <a:srgbClr val="000066"/>
-                </a:solidFill>
-                <a:effectLst>
-                  <a:outerShdw blurRad="38100" dist="38100" dir="2700000" algn="tl">
-                    <a:srgbClr val="000000">
-                      <a:alpha val="43137"/>
-                    </a:srgbClr>
-                  </a:outerShdw>
-                </a:effectLst>
-                <a:latin typeface="微軟正黑體" pitchFamily="34" charset="-120"/>
-                <a:ea typeface="微軟正黑體" pitchFamily="34" charset="-120"/>
-              </a:rPr>
-              <a:t>典之路</a:t>
+              <a:t>恩典之路</a:t>
             </a:r>
             <a:endParaRPr lang="zh-TW" altLang="en-US" sz="7200" b="1" i="1" dirty="0">
               <a:solidFill>
@@ -3190,7 +3173,7 @@
     </p:spTree>
     <p:extLst>
       <p:ext uri="{BB962C8B-B14F-4D97-AF65-F5344CB8AC3E}">
-        <p14:creationId xmlns:p14="http://schemas.microsoft.com/office/powerpoint/2010/main" val="2627441948"/>
+        <p14:creationId xmlns:p14="http://schemas.microsoft.com/office/powerpoint/2010/main" val="2672920108"/>
       </p:ext>
     </p:extLst>
   </p:cSld>
@@ -3229,7 +3212,7 @@
         </p:nvSpPr>
         <p:spPr>
           <a:xfrm>
-            <a:off x="0" y="2084851"/>
+            <a:off x="0" y="2084853"/>
             <a:ext cx="12192000" cy="2404863"/>
           </a:xfrm>
         </p:spPr>
@@ -3314,10 +3297,81 @@
           </a:p>
         </p:txBody>
       </p:sp>
+      <p:sp>
+        <p:nvSpPr>
+          <p:cNvPr id="3" name="TextBox 2"/>
+          <p:cNvSpPr txBox="1"/>
+          <p:nvPr/>
+        </p:nvSpPr>
+        <p:spPr>
+          <a:xfrm>
+            <a:off x="0" y="5061182"/>
+            <a:ext cx="12192000" cy="830997"/>
+          </a:xfrm>
+          <a:prstGeom prst="rect">
+            <a:avLst/>
+          </a:prstGeom>
+          <a:noFill/>
+        </p:spPr>
+        <p:txBody>
+          <a:bodyPr wrap="square" rtlCol="0">
+            <a:spAutoFit/>
+          </a:bodyPr>
+          <a:lstStyle/>
+          <a:p>
+            <a:pPr algn="ctr"/>
+            <a:r>
+              <a:rPr lang="en-US" sz="4800" b="1" dirty="0">
+                <a:solidFill>
+                  <a:srgbClr val="000066"/>
+                </a:solidFill>
+                <a:effectLst/>
+                <a:latin typeface="Microsoft JhengHei" panose="020B0604030504040204" pitchFamily="34" charset="-120"/>
+                <a:ea typeface="Microsoft JhengHei" panose="020B0604030504040204" pitchFamily="34" charset="-120"/>
+                <a:cs typeface="Microsoft Himalaya" panose="01010100010101010101" pitchFamily="2" charset="0"/>
+              </a:rPr>
+              <a:t>( </a:t>
+            </a:r>
+            <a:r>
+              <a:rPr lang="zh-CN" altLang="en-US" sz="4800" b="1" dirty="0">
+                <a:solidFill>
+                  <a:srgbClr val="000066"/>
+                </a:solidFill>
+                <a:effectLst/>
+                <a:latin typeface="Microsoft JhengHei" panose="020B0604030504040204" pitchFamily="34" charset="-120"/>
+                <a:ea typeface="Microsoft JhengHei" panose="020B0604030504040204" pitchFamily="34" charset="-120"/>
+                <a:cs typeface="Microsoft Himalaya" panose="01010100010101010101" pitchFamily="2" charset="0"/>
+              </a:rPr>
+              <a:t>正 </a:t>
+            </a:r>
+            <a:r>
+              <a:rPr lang="en-US" sz="4800" b="1" dirty="0">
+                <a:solidFill>
+                  <a:srgbClr val="000066"/>
+                </a:solidFill>
+                <a:effectLst/>
+                <a:latin typeface="Microsoft JhengHei" panose="020B0604030504040204" pitchFamily="34" charset="-120"/>
+                <a:ea typeface="Microsoft JhengHei" panose="020B0604030504040204" pitchFamily="34" charset="-120"/>
+                <a:cs typeface="Microsoft Himalaya" panose="01010100010101010101" pitchFamily="2" charset="0"/>
+              </a:rPr>
+              <a:t>)</a:t>
+            </a:r>
+            <a:endParaRPr lang="vi-VN" sz="4800" b="1" dirty="0">
+              <a:solidFill>
+                <a:srgbClr val="000066"/>
+              </a:solidFill>
+              <a:effectLst/>
+              <a:latin typeface="Microsoft JhengHei" panose="020B0604030504040204" pitchFamily="34" charset="-120"/>
+              <a:ea typeface="Microsoft JhengHei" panose="020B0604030504040204" pitchFamily="34" charset="-120"/>
+              <a:cs typeface="Microsoft Himalaya" panose="01010100010101010101" pitchFamily="2" charset="0"/>
+            </a:endParaRPr>
+          </a:p>
+        </p:txBody>
+      </p:sp>
     </p:spTree>
     <p:extLst>
       <p:ext uri="{BB962C8B-B14F-4D97-AF65-F5344CB8AC3E}">
-        <p14:creationId xmlns:p14="http://schemas.microsoft.com/office/powerpoint/2010/main" val="167351061"/>
+        <p14:creationId xmlns:p14="http://schemas.microsoft.com/office/powerpoint/2010/main" val="3946626478"/>
       </p:ext>
     </p:extLst>
   </p:cSld>
@@ -3356,7 +3410,7 @@
         </p:nvSpPr>
         <p:spPr>
           <a:xfrm>
-            <a:off x="0" y="2084851"/>
+            <a:off x="0" y="2084853"/>
             <a:ext cx="12192000" cy="2404863"/>
           </a:xfrm>
         </p:spPr>
@@ -3421,10 +3475,81 @@
           </a:p>
         </p:txBody>
       </p:sp>
+      <p:sp>
+        <p:nvSpPr>
+          <p:cNvPr id="3" name="TextBox 2"/>
+          <p:cNvSpPr txBox="1"/>
+          <p:nvPr/>
+        </p:nvSpPr>
+        <p:spPr>
+          <a:xfrm>
+            <a:off x="0" y="5061182"/>
+            <a:ext cx="12192000" cy="830997"/>
+          </a:xfrm>
+          <a:prstGeom prst="rect">
+            <a:avLst/>
+          </a:prstGeom>
+          <a:noFill/>
+        </p:spPr>
+        <p:txBody>
+          <a:bodyPr wrap="square" rtlCol="0">
+            <a:spAutoFit/>
+          </a:bodyPr>
+          <a:lstStyle/>
+          <a:p>
+            <a:pPr algn="ctr"/>
+            <a:r>
+              <a:rPr lang="en-US" sz="4800" b="1" dirty="0">
+                <a:solidFill>
+                  <a:srgbClr val="000066"/>
+                </a:solidFill>
+                <a:effectLst/>
+                <a:latin typeface="Microsoft JhengHei" panose="020B0604030504040204" pitchFamily="34" charset="-120"/>
+                <a:ea typeface="Microsoft JhengHei" panose="020B0604030504040204" pitchFamily="34" charset="-120"/>
+                <a:cs typeface="Microsoft Himalaya" panose="01010100010101010101" pitchFamily="2" charset="0"/>
+              </a:rPr>
+              <a:t>( </a:t>
+            </a:r>
+            <a:r>
+              <a:rPr lang="zh-CN" altLang="en-US" sz="4800" b="1" dirty="0">
+                <a:solidFill>
+                  <a:srgbClr val="000066"/>
+                </a:solidFill>
+                <a:effectLst/>
+                <a:latin typeface="Microsoft JhengHei" panose="020B0604030504040204" pitchFamily="34" charset="-120"/>
+                <a:ea typeface="Microsoft JhengHei" panose="020B0604030504040204" pitchFamily="34" charset="-120"/>
+                <a:cs typeface="Microsoft Himalaya" panose="01010100010101010101" pitchFamily="2" charset="0"/>
+              </a:rPr>
+              <a:t>正 </a:t>
+            </a:r>
+            <a:r>
+              <a:rPr lang="en-US" sz="4800" b="1" dirty="0">
+                <a:solidFill>
+                  <a:srgbClr val="000066"/>
+                </a:solidFill>
+                <a:effectLst/>
+                <a:latin typeface="Microsoft JhengHei" panose="020B0604030504040204" pitchFamily="34" charset="-120"/>
+                <a:ea typeface="Microsoft JhengHei" panose="020B0604030504040204" pitchFamily="34" charset="-120"/>
+                <a:cs typeface="Microsoft Himalaya" panose="01010100010101010101" pitchFamily="2" charset="0"/>
+              </a:rPr>
+              <a:t>)</a:t>
+            </a:r>
+            <a:endParaRPr lang="vi-VN" sz="4800" b="1" dirty="0">
+              <a:solidFill>
+                <a:srgbClr val="000066"/>
+              </a:solidFill>
+              <a:effectLst/>
+              <a:latin typeface="Microsoft JhengHei" panose="020B0604030504040204" pitchFamily="34" charset="-120"/>
+              <a:ea typeface="Microsoft JhengHei" panose="020B0604030504040204" pitchFamily="34" charset="-120"/>
+              <a:cs typeface="Microsoft Himalaya" panose="01010100010101010101" pitchFamily="2" charset="0"/>
+            </a:endParaRPr>
+          </a:p>
+        </p:txBody>
+      </p:sp>
     </p:spTree>
     <p:extLst>
       <p:ext uri="{BB962C8B-B14F-4D97-AF65-F5344CB8AC3E}">
-        <p14:creationId xmlns:p14="http://schemas.microsoft.com/office/powerpoint/2010/main" val="455271415"/>
+        <p14:creationId xmlns:p14="http://schemas.microsoft.com/office/powerpoint/2010/main" val="3798343147"/>
       </p:ext>
     </p:extLst>
   </p:cSld>
@@ -3463,7 +3588,7 @@
         </p:nvSpPr>
         <p:spPr>
           <a:xfrm>
-            <a:off x="0" y="2084851"/>
+            <a:off x="0" y="2084853"/>
             <a:ext cx="12192000" cy="2404863"/>
           </a:xfrm>
         </p:spPr>
@@ -3518,10 +3643,81 @@
           </a:p>
         </p:txBody>
       </p:sp>
+      <p:sp>
+        <p:nvSpPr>
+          <p:cNvPr id="3" name="TextBox 2"/>
+          <p:cNvSpPr txBox="1"/>
+          <p:nvPr/>
+        </p:nvSpPr>
+        <p:spPr>
+          <a:xfrm>
+            <a:off x="0" y="5061182"/>
+            <a:ext cx="12192000" cy="830997"/>
+          </a:xfrm>
+          <a:prstGeom prst="rect">
+            <a:avLst/>
+          </a:prstGeom>
+          <a:noFill/>
+        </p:spPr>
+        <p:txBody>
+          <a:bodyPr wrap="square" rtlCol="0">
+            <a:spAutoFit/>
+          </a:bodyPr>
+          <a:lstStyle/>
+          <a:p>
+            <a:pPr algn="ctr"/>
+            <a:r>
+              <a:rPr lang="en-US" sz="4800" b="1" dirty="0">
+                <a:solidFill>
+                  <a:srgbClr val="000066"/>
+                </a:solidFill>
+                <a:effectLst/>
+                <a:latin typeface="Microsoft JhengHei" panose="020B0604030504040204" pitchFamily="34" charset="-120"/>
+                <a:ea typeface="Microsoft JhengHei" panose="020B0604030504040204" pitchFamily="34" charset="-120"/>
+                <a:cs typeface="Microsoft Himalaya" panose="01010100010101010101" pitchFamily="2" charset="0"/>
+              </a:rPr>
+              <a:t>( </a:t>
+            </a:r>
+            <a:r>
+              <a:rPr lang="zh-CN" altLang="en-US" sz="4800" b="1" dirty="0">
+                <a:solidFill>
+                  <a:srgbClr val="000066"/>
+                </a:solidFill>
+                <a:effectLst/>
+                <a:latin typeface="Microsoft JhengHei" panose="020B0604030504040204" pitchFamily="34" charset="-120"/>
+                <a:ea typeface="Microsoft JhengHei" panose="020B0604030504040204" pitchFamily="34" charset="-120"/>
+                <a:cs typeface="Microsoft Himalaya" panose="01010100010101010101" pitchFamily="2" charset="0"/>
+              </a:rPr>
+              <a:t>正 </a:t>
+            </a:r>
+            <a:r>
+              <a:rPr lang="en-US" sz="4800" b="1" dirty="0">
+                <a:solidFill>
+                  <a:srgbClr val="000066"/>
+                </a:solidFill>
+                <a:effectLst/>
+                <a:latin typeface="Microsoft JhengHei" panose="020B0604030504040204" pitchFamily="34" charset="-120"/>
+                <a:ea typeface="Microsoft JhengHei" panose="020B0604030504040204" pitchFamily="34" charset="-120"/>
+                <a:cs typeface="Microsoft Himalaya" panose="01010100010101010101" pitchFamily="2" charset="0"/>
+              </a:rPr>
+              <a:t>)</a:t>
+            </a:r>
+            <a:endParaRPr lang="vi-VN" sz="4800" b="1" dirty="0">
+              <a:solidFill>
+                <a:srgbClr val="000066"/>
+              </a:solidFill>
+              <a:effectLst/>
+              <a:latin typeface="Microsoft JhengHei" panose="020B0604030504040204" pitchFamily="34" charset="-120"/>
+              <a:ea typeface="Microsoft JhengHei" panose="020B0604030504040204" pitchFamily="34" charset="-120"/>
+              <a:cs typeface="Microsoft Himalaya" panose="01010100010101010101" pitchFamily="2" charset="0"/>
+            </a:endParaRPr>
+          </a:p>
+        </p:txBody>
+      </p:sp>
     </p:spTree>
     <p:extLst>
       <p:ext uri="{BB962C8B-B14F-4D97-AF65-F5344CB8AC3E}">
-        <p14:creationId xmlns:p14="http://schemas.microsoft.com/office/powerpoint/2010/main" val="4164423684"/>
+        <p14:creationId xmlns:p14="http://schemas.microsoft.com/office/powerpoint/2010/main" val="2986388433"/>
       </p:ext>
     </p:extLst>
   </p:cSld>
@@ -3560,7 +3756,7 @@
         </p:nvSpPr>
         <p:spPr>
           <a:xfrm>
-            <a:off x="0" y="2084851"/>
+            <a:off x="0" y="2084853"/>
             <a:ext cx="12192000" cy="2404863"/>
           </a:xfrm>
         </p:spPr>
@@ -3645,10 +3841,81 @@
           </a:p>
         </p:txBody>
       </p:sp>
+      <p:sp>
+        <p:nvSpPr>
+          <p:cNvPr id="3" name="TextBox 2"/>
+          <p:cNvSpPr txBox="1"/>
+          <p:nvPr/>
+        </p:nvSpPr>
+        <p:spPr>
+          <a:xfrm>
+            <a:off x="0" y="5061182"/>
+            <a:ext cx="12192000" cy="830997"/>
+          </a:xfrm>
+          <a:prstGeom prst="rect">
+            <a:avLst/>
+          </a:prstGeom>
+          <a:noFill/>
+        </p:spPr>
+        <p:txBody>
+          <a:bodyPr wrap="square" rtlCol="0">
+            <a:spAutoFit/>
+          </a:bodyPr>
+          <a:lstStyle/>
+          <a:p>
+            <a:pPr algn="ctr"/>
+            <a:r>
+              <a:rPr lang="en-US" sz="4800" b="1" dirty="0">
+                <a:solidFill>
+                  <a:srgbClr val="000066"/>
+                </a:solidFill>
+                <a:effectLst/>
+                <a:latin typeface="Microsoft JhengHei" panose="020B0604030504040204" pitchFamily="34" charset="-120"/>
+                <a:ea typeface="Microsoft JhengHei" panose="020B0604030504040204" pitchFamily="34" charset="-120"/>
+                <a:cs typeface="Microsoft Himalaya" panose="01010100010101010101" pitchFamily="2" charset="0"/>
+              </a:rPr>
+              <a:t>( </a:t>
+            </a:r>
+            <a:r>
+              <a:rPr lang="zh-CN" altLang="en-US" sz="4800" b="1" dirty="0">
+                <a:solidFill>
+                  <a:srgbClr val="000066"/>
+                </a:solidFill>
+                <a:effectLst/>
+                <a:latin typeface="Microsoft JhengHei" panose="020B0604030504040204" pitchFamily="34" charset="-120"/>
+                <a:ea typeface="Microsoft JhengHei" panose="020B0604030504040204" pitchFamily="34" charset="-120"/>
+                <a:cs typeface="Microsoft Himalaya" panose="01010100010101010101" pitchFamily="2" charset="0"/>
+              </a:rPr>
+              <a:t>副 </a:t>
+            </a:r>
+            <a:r>
+              <a:rPr lang="en-US" sz="4800" b="1" dirty="0">
+                <a:solidFill>
+                  <a:srgbClr val="000066"/>
+                </a:solidFill>
+                <a:effectLst/>
+                <a:latin typeface="Microsoft JhengHei" panose="020B0604030504040204" pitchFamily="34" charset="-120"/>
+                <a:ea typeface="Microsoft JhengHei" panose="020B0604030504040204" pitchFamily="34" charset="-120"/>
+                <a:cs typeface="Microsoft Himalaya" panose="01010100010101010101" pitchFamily="2" charset="0"/>
+              </a:rPr>
+              <a:t>)</a:t>
+            </a:r>
+            <a:endParaRPr lang="vi-VN" sz="4800" b="1" dirty="0">
+              <a:solidFill>
+                <a:srgbClr val="000066"/>
+              </a:solidFill>
+              <a:effectLst/>
+              <a:latin typeface="Microsoft JhengHei" panose="020B0604030504040204" pitchFamily="34" charset="-120"/>
+              <a:ea typeface="Microsoft JhengHei" panose="020B0604030504040204" pitchFamily="34" charset="-120"/>
+              <a:cs typeface="Microsoft Himalaya" panose="01010100010101010101" pitchFamily="2" charset="0"/>
+            </a:endParaRPr>
+          </a:p>
+        </p:txBody>
+      </p:sp>
     </p:spTree>
     <p:extLst>
       <p:ext uri="{BB962C8B-B14F-4D97-AF65-F5344CB8AC3E}">
-        <p14:creationId xmlns:p14="http://schemas.microsoft.com/office/powerpoint/2010/main" val="333238347"/>
+        <p14:creationId xmlns:p14="http://schemas.microsoft.com/office/powerpoint/2010/main" val="2691004410"/>
       </p:ext>
     </p:extLst>
   </p:cSld>
@@ -3687,7 +3954,7 @@
         </p:nvSpPr>
         <p:spPr>
           <a:xfrm>
-            <a:off x="0" y="2084851"/>
+            <a:off x="0" y="2084853"/>
             <a:ext cx="12192000" cy="2404863"/>
           </a:xfrm>
         </p:spPr>
@@ -3772,10 +4039,81 @@
           </a:p>
         </p:txBody>
       </p:sp>
+      <p:sp>
+        <p:nvSpPr>
+          <p:cNvPr id="3" name="TextBox 2"/>
+          <p:cNvSpPr txBox="1"/>
+          <p:nvPr/>
+        </p:nvSpPr>
+        <p:spPr>
+          <a:xfrm>
+            <a:off x="0" y="5061182"/>
+            <a:ext cx="12192000" cy="830997"/>
+          </a:xfrm>
+          <a:prstGeom prst="rect">
+            <a:avLst/>
+          </a:prstGeom>
+          <a:noFill/>
+        </p:spPr>
+        <p:txBody>
+          <a:bodyPr wrap="square" rtlCol="0">
+            <a:spAutoFit/>
+          </a:bodyPr>
+          <a:lstStyle/>
+          <a:p>
+            <a:pPr algn="ctr"/>
+            <a:r>
+              <a:rPr lang="en-US" sz="4800" b="1" dirty="0">
+                <a:solidFill>
+                  <a:srgbClr val="000066"/>
+                </a:solidFill>
+                <a:effectLst/>
+                <a:latin typeface="Microsoft JhengHei" panose="020B0604030504040204" pitchFamily="34" charset="-120"/>
+                <a:ea typeface="Microsoft JhengHei" panose="020B0604030504040204" pitchFamily="34" charset="-120"/>
+                <a:cs typeface="Microsoft Himalaya" panose="01010100010101010101" pitchFamily="2" charset="0"/>
+              </a:rPr>
+              <a:t>( </a:t>
+            </a:r>
+            <a:r>
+              <a:rPr lang="zh-CN" altLang="en-US" sz="4800" b="1" dirty="0">
+                <a:solidFill>
+                  <a:srgbClr val="000066"/>
+                </a:solidFill>
+                <a:effectLst/>
+                <a:latin typeface="Microsoft JhengHei" panose="020B0604030504040204" pitchFamily="34" charset="-120"/>
+                <a:ea typeface="Microsoft JhengHei" panose="020B0604030504040204" pitchFamily="34" charset="-120"/>
+                <a:cs typeface="Microsoft Himalaya" panose="01010100010101010101" pitchFamily="2" charset="0"/>
+              </a:rPr>
+              <a:t>副 </a:t>
+            </a:r>
+            <a:r>
+              <a:rPr lang="en-US" sz="4800" b="1" dirty="0">
+                <a:solidFill>
+                  <a:srgbClr val="000066"/>
+                </a:solidFill>
+                <a:effectLst/>
+                <a:latin typeface="Microsoft JhengHei" panose="020B0604030504040204" pitchFamily="34" charset="-120"/>
+                <a:ea typeface="Microsoft JhengHei" panose="020B0604030504040204" pitchFamily="34" charset="-120"/>
+                <a:cs typeface="Microsoft Himalaya" panose="01010100010101010101" pitchFamily="2" charset="0"/>
+              </a:rPr>
+              <a:t>)</a:t>
+            </a:r>
+            <a:endParaRPr lang="vi-VN" sz="4800" b="1" dirty="0">
+              <a:solidFill>
+                <a:srgbClr val="000066"/>
+              </a:solidFill>
+              <a:effectLst/>
+              <a:latin typeface="Microsoft JhengHei" panose="020B0604030504040204" pitchFamily="34" charset="-120"/>
+              <a:ea typeface="Microsoft JhengHei" panose="020B0604030504040204" pitchFamily="34" charset="-120"/>
+              <a:cs typeface="Microsoft Himalaya" panose="01010100010101010101" pitchFamily="2" charset="0"/>
+            </a:endParaRPr>
+          </a:p>
+        </p:txBody>
+      </p:sp>
     </p:spTree>
     <p:extLst>
       <p:ext uri="{BB962C8B-B14F-4D97-AF65-F5344CB8AC3E}">
-        <p14:creationId xmlns:p14="http://schemas.microsoft.com/office/powerpoint/2010/main" val="1099278565"/>
+        <p14:creationId xmlns:p14="http://schemas.microsoft.com/office/powerpoint/2010/main" val="1709459496"/>
       </p:ext>
     </p:extLst>
   </p:cSld>

--- a/恩典之路(崇拜版).pptx
+++ b/恩典之路(崇拜版).pptx
@@ -298,7 +298,7 @@
           <a:p>
             <a:fld id="{44442084-CD32-4B52-A5E8-3FB177862133}" type="datetimeFigureOut">
               <a:rPr lang="en-US" smtClean="0"/>
-              <a:t>2/2/2022</a:t>
+              <a:t>1/7/2023</a:t>
             </a:fld>
             <a:endParaRPr lang="en-US"/>
           </a:p>
@@ -468,7 +468,7 @@
           <a:p>
             <a:fld id="{44442084-CD32-4B52-A5E8-3FB177862133}" type="datetimeFigureOut">
               <a:rPr lang="en-US" smtClean="0"/>
-              <a:t>2/2/2022</a:t>
+              <a:t>1/7/2023</a:t>
             </a:fld>
             <a:endParaRPr lang="en-US"/>
           </a:p>
@@ -648,7 +648,7 @@
           <a:p>
             <a:fld id="{44442084-CD32-4B52-A5E8-3FB177862133}" type="datetimeFigureOut">
               <a:rPr lang="en-US" smtClean="0"/>
-              <a:t>2/2/2022</a:t>
+              <a:t>1/7/2023</a:t>
             </a:fld>
             <a:endParaRPr lang="en-US"/>
           </a:p>
@@ -818,7 +818,7 @@
           <a:p>
             <a:fld id="{44442084-CD32-4B52-A5E8-3FB177862133}" type="datetimeFigureOut">
               <a:rPr lang="en-US" smtClean="0"/>
-              <a:t>2/2/2022</a:t>
+              <a:t>1/7/2023</a:t>
             </a:fld>
             <a:endParaRPr lang="en-US"/>
           </a:p>
@@ -1064,7 +1064,7 @@
           <a:p>
             <a:fld id="{44442084-CD32-4B52-A5E8-3FB177862133}" type="datetimeFigureOut">
               <a:rPr lang="en-US" smtClean="0"/>
-              <a:t>2/2/2022</a:t>
+              <a:t>1/7/2023</a:t>
             </a:fld>
             <a:endParaRPr lang="en-US"/>
           </a:p>
@@ -1352,7 +1352,7 @@
           <a:p>
             <a:fld id="{44442084-CD32-4B52-A5E8-3FB177862133}" type="datetimeFigureOut">
               <a:rPr lang="en-US" smtClean="0"/>
-              <a:t>2/2/2022</a:t>
+              <a:t>1/7/2023</a:t>
             </a:fld>
             <a:endParaRPr lang="en-US"/>
           </a:p>
@@ -1774,7 +1774,7 @@
           <a:p>
             <a:fld id="{44442084-CD32-4B52-A5E8-3FB177862133}" type="datetimeFigureOut">
               <a:rPr lang="en-US" smtClean="0"/>
-              <a:t>2/2/2022</a:t>
+              <a:t>1/7/2023</a:t>
             </a:fld>
             <a:endParaRPr lang="en-US"/>
           </a:p>
@@ -1892,7 +1892,7 @@
           <a:p>
             <a:fld id="{44442084-CD32-4B52-A5E8-3FB177862133}" type="datetimeFigureOut">
               <a:rPr lang="en-US" smtClean="0"/>
-              <a:t>2/2/2022</a:t>
+              <a:t>1/7/2023</a:t>
             </a:fld>
             <a:endParaRPr lang="en-US"/>
           </a:p>
@@ -1987,7 +1987,7 @@
           <a:p>
             <a:fld id="{44442084-CD32-4B52-A5E8-3FB177862133}" type="datetimeFigureOut">
               <a:rPr lang="en-US" smtClean="0"/>
-              <a:t>2/2/2022</a:t>
+              <a:t>1/7/2023</a:t>
             </a:fld>
             <a:endParaRPr lang="en-US"/>
           </a:p>
@@ -2264,7 +2264,7 @@
           <a:p>
             <a:fld id="{44442084-CD32-4B52-A5E8-3FB177862133}" type="datetimeFigureOut">
               <a:rPr lang="en-US" smtClean="0"/>
-              <a:t>2/2/2022</a:t>
+              <a:t>1/7/2023</a:t>
             </a:fld>
             <a:endParaRPr lang="en-US"/>
           </a:p>
@@ -2521,7 +2521,7 @@
           <a:p>
             <a:fld id="{44442084-CD32-4B52-A5E8-3FB177862133}" type="datetimeFigureOut">
               <a:rPr lang="en-US" smtClean="0"/>
-              <a:t>2/2/2022</a:t>
+              <a:t>1/7/2023</a:t>
             </a:fld>
             <a:endParaRPr lang="en-US"/>
           </a:p>
@@ -2739,7 +2739,7 @@
           <a:p>
             <a:fld id="{44442084-CD32-4B52-A5E8-3FB177862133}" type="datetimeFigureOut">
               <a:rPr lang="en-US" smtClean="0"/>
-              <a:t>2/2/2022</a:t>
+              <a:t>1/7/2023</a:t>
             </a:fld>
             <a:endParaRPr lang="en-US"/>
           </a:p>
@@ -3306,7 +3306,7 @@
         <p:spPr>
           <a:xfrm>
             <a:off x="0" y="5061182"/>
-            <a:ext cx="12192000" cy="830997"/>
+            <a:ext cx="12192000" cy="707886"/>
           </a:xfrm>
           <a:prstGeom prst="rect">
             <a:avLst/>
@@ -3321,7 +3321,7 @@
           <a:p>
             <a:pPr algn="ctr"/>
             <a:r>
-              <a:rPr lang="en-US" sz="4800" b="1" dirty="0">
+              <a:rPr lang="en-US" sz="4000" b="1" dirty="0">
                 <a:solidFill>
                   <a:srgbClr val="000066"/>
                 </a:solidFill>
@@ -3333,7 +3333,7 @@
               <a:t>( </a:t>
             </a:r>
             <a:r>
-              <a:rPr lang="zh-CN" altLang="en-US" sz="4800" b="1" dirty="0">
+              <a:rPr lang="zh-CN" altLang="en-US" sz="4000" b="1" dirty="0">
                 <a:solidFill>
                   <a:srgbClr val="000066"/>
                 </a:solidFill>
@@ -3345,7 +3345,7 @@
               <a:t>正 </a:t>
             </a:r>
             <a:r>
-              <a:rPr lang="en-US" sz="4800" b="1" dirty="0">
+              <a:rPr lang="en-US" sz="4000" b="1" dirty="0">
                 <a:solidFill>
                   <a:srgbClr val="000066"/>
                 </a:solidFill>
@@ -3356,7 +3356,7 @@
               </a:rPr>
               <a:t>)</a:t>
             </a:r>
-            <a:endParaRPr lang="vi-VN" sz="4800" b="1" dirty="0">
+            <a:endParaRPr lang="vi-VN" sz="4000" b="1" dirty="0">
               <a:solidFill>
                 <a:srgbClr val="000066"/>
               </a:solidFill>
@@ -3484,7 +3484,7 @@
         <p:spPr>
           <a:xfrm>
             <a:off x="0" y="5061182"/>
-            <a:ext cx="12192000" cy="830997"/>
+            <a:ext cx="12192000" cy="707886"/>
           </a:xfrm>
           <a:prstGeom prst="rect">
             <a:avLst/>
@@ -3499,11 +3499,10 @@
           <a:p>
             <a:pPr algn="ctr"/>
             <a:r>
-              <a:rPr lang="en-US" sz="4800" b="1" dirty="0">
+              <a:rPr lang="en-US" sz="4000" b="1" dirty="0">
                 <a:solidFill>
                   <a:srgbClr val="000066"/>
                 </a:solidFill>
-                <a:effectLst/>
                 <a:latin typeface="Microsoft JhengHei" panose="020B0604030504040204" pitchFamily="34" charset="-120"/>
                 <a:ea typeface="Microsoft JhengHei" panose="020B0604030504040204" pitchFamily="34" charset="-120"/>
                 <a:cs typeface="Microsoft Himalaya" panose="01010100010101010101" pitchFamily="2" charset="0"/>
@@ -3511,11 +3510,10 @@
               <a:t>( </a:t>
             </a:r>
             <a:r>
-              <a:rPr lang="zh-CN" altLang="en-US" sz="4800" b="1" dirty="0">
+              <a:rPr lang="zh-CN" altLang="en-US" sz="4000" b="1" dirty="0">
                 <a:solidFill>
                   <a:srgbClr val="000066"/>
                 </a:solidFill>
-                <a:effectLst/>
                 <a:latin typeface="Microsoft JhengHei" panose="020B0604030504040204" pitchFamily="34" charset="-120"/>
                 <a:ea typeface="Microsoft JhengHei" panose="020B0604030504040204" pitchFamily="34" charset="-120"/>
                 <a:cs typeface="Microsoft Himalaya" panose="01010100010101010101" pitchFamily="2" charset="0"/>
@@ -3523,22 +3521,20 @@
               <a:t>正 </a:t>
             </a:r>
             <a:r>
-              <a:rPr lang="en-US" sz="4800" b="1" dirty="0">
+              <a:rPr lang="en-US" sz="4000" b="1" dirty="0">
                 <a:solidFill>
                   <a:srgbClr val="000066"/>
                 </a:solidFill>
-                <a:effectLst/>
                 <a:latin typeface="Microsoft JhengHei" panose="020B0604030504040204" pitchFamily="34" charset="-120"/>
                 <a:ea typeface="Microsoft JhengHei" panose="020B0604030504040204" pitchFamily="34" charset="-120"/>
                 <a:cs typeface="Microsoft Himalaya" panose="01010100010101010101" pitchFamily="2" charset="0"/>
               </a:rPr>
               <a:t>)</a:t>
             </a:r>
-            <a:endParaRPr lang="vi-VN" sz="4800" b="1" dirty="0">
+            <a:endParaRPr lang="vi-VN" sz="4000" b="1" dirty="0">
               <a:solidFill>
                 <a:srgbClr val="000066"/>
               </a:solidFill>
-              <a:effectLst/>
               <a:latin typeface="Microsoft JhengHei" panose="020B0604030504040204" pitchFamily="34" charset="-120"/>
               <a:ea typeface="Microsoft JhengHei" panose="020B0604030504040204" pitchFamily="34" charset="-120"/>
               <a:cs typeface="Microsoft Himalaya" panose="01010100010101010101" pitchFamily="2" charset="0"/>
@@ -3652,7 +3648,7 @@
         <p:spPr>
           <a:xfrm>
             <a:off x="0" y="5061182"/>
-            <a:ext cx="12192000" cy="830997"/>
+            <a:ext cx="12192000" cy="707886"/>
           </a:xfrm>
           <a:prstGeom prst="rect">
             <a:avLst/>
@@ -3667,11 +3663,10 @@
           <a:p>
             <a:pPr algn="ctr"/>
             <a:r>
-              <a:rPr lang="en-US" sz="4800" b="1" dirty="0">
+              <a:rPr lang="en-US" sz="4000" b="1" dirty="0">
                 <a:solidFill>
                   <a:srgbClr val="000066"/>
                 </a:solidFill>
-                <a:effectLst/>
                 <a:latin typeface="Microsoft JhengHei" panose="020B0604030504040204" pitchFamily="34" charset="-120"/>
                 <a:ea typeface="Microsoft JhengHei" panose="020B0604030504040204" pitchFamily="34" charset="-120"/>
                 <a:cs typeface="Microsoft Himalaya" panose="01010100010101010101" pitchFamily="2" charset="0"/>
@@ -3679,11 +3674,10 @@
               <a:t>( </a:t>
             </a:r>
             <a:r>
-              <a:rPr lang="zh-CN" altLang="en-US" sz="4800" b="1" dirty="0">
+              <a:rPr lang="zh-CN" altLang="en-US" sz="4000" b="1" dirty="0">
                 <a:solidFill>
                   <a:srgbClr val="000066"/>
                 </a:solidFill>
-                <a:effectLst/>
                 <a:latin typeface="Microsoft JhengHei" panose="020B0604030504040204" pitchFamily="34" charset="-120"/>
                 <a:ea typeface="Microsoft JhengHei" panose="020B0604030504040204" pitchFamily="34" charset="-120"/>
                 <a:cs typeface="Microsoft Himalaya" panose="01010100010101010101" pitchFamily="2" charset="0"/>
@@ -3691,22 +3685,20 @@
               <a:t>正 </a:t>
             </a:r>
             <a:r>
-              <a:rPr lang="en-US" sz="4800" b="1" dirty="0">
+              <a:rPr lang="en-US" sz="4000" b="1" dirty="0">
                 <a:solidFill>
                   <a:srgbClr val="000066"/>
                 </a:solidFill>
-                <a:effectLst/>
                 <a:latin typeface="Microsoft JhengHei" panose="020B0604030504040204" pitchFamily="34" charset="-120"/>
                 <a:ea typeface="Microsoft JhengHei" panose="020B0604030504040204" pitchFamily="34" charset="-120"/>
                 <a:cs typeface="Microsoft Himalaya" panose="01010100010101010101" pitchFamily="2" charset="0"/>
               </a:rPr>
               <a:t>)</a:t>
             </a:r>
-            <a:endParaRPr lang="vi-VN" sz="4800" b="1" dirty="0">
+            <a:endParaRPr lang="vi-VN" sz="4000" b="1" dirty="0">
               <a:solidFill>
                 <a:srgbClr val="000066"/>
               </a:solidFill>
-              <a:effectLst/>
               <a:latin typeface="Microsoft JhengHei" panose="020B0604030504040204" pitchFamily="34" charset="-120"/>
               <a:ea typeface="Microsoft JhengHei" panose="020B0604030504040204" pitchFamily="34" charset="-120"/>
               <a:cs typeface="Microsoft Himalaya" panose="01010100010101010101" pitchFamily="2" charset="0"/>
@@ -3850,7 +3842,7 @@
         <p:spPr>
           <a:xfrm>
             <a:off x="0" y="5061182"/>
-            <a:ext cx="12192000" cy="830997"/>
+            <a:ext cx="12192000" cy="707886"/>
           </a:xfrm>
           <a:prstGeom prst="rect">
             <a:avLst/>
@@ -3865,11 +3857,10 @@
           <a:p>
             <a:pPr algn="ctr"/>
             <a:r>
-              <a:rPr lang="en-US" sz="4800" b="1" dirty="0">
+              <a:rPr lang="en-US" sz="4000" b="1" dirty="0">
                 <a:solidFill>
                   <a:srgbClr val="000066"/>
                 </a:solidFill>
-                <a:effectLst/>
                 <a:latin typeface="Microsoft JhengHei" panose="020B0604030504040204" pitchFamily="34" charset="-120"/>
                 <a:ea typeface="Microsoft JhengHei" panose="020B0604030504040204" pitchFamily="34" charset="-120"/>
                 <a:cs typeface="Microsoft Himalaya" panose="01010100010101010101" pitchFamily="2" charset="0"/>
@@ -3877,11 +3868,10 @@
               <a:t>( </a:t>
             </a:r>
             <a:r>
-              <a:rPr lang="zh-CN" altLang="en-US" sz="4800" b="1" dirty="0">
+              <a:rPr lang="zh-CN" altLang="en-US" sz="4000" b="1" dirty="0">
                 <a:solidFill>
                   <a:srgbClr val="000066"/>
                 </a:solidFill>
-                <a:effectLst/>
                 <a:latin typeface="Microsoft JhengHei" panose="020B0604030504040204" pitchFamily="34" charset="-120"/>
                 <a:ea typeface="Microsoft JhengHei" panose="020B0604030504040204" pitchFamily="34" charset="-120"/>
                 <a:cs typeface="Microsoft Himalaya" panose="01010100010101010101" pitchFamily="2" charset="0"/>
@@ -3889,22 +3879,20 @@
               <a:t>副 </a:t>
             </a:r>
             <a:r>
-              <a:rPr lang="en-US" sz="4800" b="1" dirty="0">
+              <a:rPr lang="en-US" sz="4000" b="1" dirty="0">
                 <a:solidFill>
                   <a:srgbClr val="000066"/>
                 </a:solidFill>
-                <a:effectLst/>
                 <a:latin typeface="Microsoft JhengHei" panose="020B0604030504040204" pitchFamily="34" charset="-120"/>
                 <a:ea typeface="Microsoft JhengHei" panose="020B0604030504040204" pitchFamily="34" charset="-120"/>
                 <a:cs typeface="Microsoft Himalaya" panose="01010100010101010101" pitchFamily="2" charset="0"/>
               </a:rPr>
               <a:t>)</a:t>
             </a:r>
-            <a:endParaRPr lang="vi-VN" sz="4800" b="1" dirty="0">
+            <a:endParaRPr lang="vi-VN" sz="4000" b="1" dirty="0">
               <a:solidFill>
                 <a:srgbClr val="000066"/>
               </a:solidFill>
-              <a:effectLst/>
               <a:latin typeface="Microsoft JhengHei" panose="020B0604030504040204" pitchFamily="34" charset="-120"/>
               <a:ea typeface="Microsoft JhengHei" panose="020B0604030504040204" pitchFamily="34" charset="-120"/>
               <a:cs typeface="Microsoft Himalaya" panose="01010100010101010101" pitchFamily="2" charset="0"/>
@@ -4048,7 +4036,7 @@
         <p:spPr>
           <a:xfrm>
             <a:off x="0" y="5061182"/>
-            <a:ext cx="12192000" cy="830997"/>
+            <a:ext cx="12192000" cy="707886"/>
           </a:xfrm>
           <a:prstGeom prst="rect">
             <a:avLst/>
@@ -4063,11 +4051,10 @@
           <a:p>
             <a:pPr algn="ctr"/>
             <a:r>
-              <a:rPr lang="en-US" sz="4800" b="1" dirty="0">
+              <a:rPr lang="en-US" sz="4000" b="1" dirty="0">
                 <a:solidFill>
                   <a:srgbClr val="000066"/>
                 </a:solidFill>
-                <a:effectLst/>
                 <a:latin typeface="Microsoft JhengHei" panose="020B0604030504040204" pitchFamily="34" charset="-120"/>
                 <a:ea typeface="Microsoft JhengHei" panose="020B0604030504040204" pitchFamily="34" charset="-120"/>
                 <a:cs typeface="Microsoft Himalaya" panose="01010100010101010101" pitchFamily="2" charset="0"/>
@@ -4075,11 +4062,10 @@
               <a:t>( </a:t>
             </a:r>
             <a:r>
-              <a:rPr lang="zh-CN" altLang="en-US" sz="4800" b="1" dirty="0">
+              <a:rPr lang="zh-CN" altLang="en-US" sz="4000" b="1" dirty="0">
                 <a:solidFill>
                   <a:srgbClr val="000066"/>
                 </a:solidFill>
-                <a:effectLst/>
                 <a:latin typeface="Microsoft JhengHei" panose="020B0604030504040204" pitchFamily="34" charset="-120"/>
                 <a:ea typeface="Microsoft JhengHei" panose="020B0604030504040204" pitchFamily="34" charset="-120"/>
                 <a:cs typeface="Microsoft Himalaya" panose="01010100010101010101" pitchFamily="2" charset="0"/>
@@ -4087,22 +4073,20 @@
               <a:t>副 </a:t>
             </a:r>
             <a:r>
-              <a:rPr lang="en-US" sz="4800" b="1" dirty="0">
+              <a:rPr lang="en-US" sz="4000" b="1" dirty="0">
                 <a:solidFill>
                   <a:srgbClr val="000066"/>
                 </a:solidFill>
-                <a:effectLst/>
                 <a:latin typeface="Microsoft JhengHei" panose="020B0604030504040204" pitchFamily="34" charset="-120"/>
                 <a:ea typeface="Microsoft JhengHei" panose="020B0604030504040204" pitchFamily="34" charset="-120"/>
                 <a:cs typeface="Microsoft Himalaya" panose="01010100010101010101" pitchFamily="2" charset="0"/>
               </a:rPr>
               <a:t>)</a:t>
             </a:r>
-            <a:endParaRPr lang="vi-VN" sz="4800" b="1" dirty="0">
+            <a:endParaRPr lang="vi-VN" sz="4000" b="1" dirty="0">
               <a:solidFill>
                 <a:srgbClr val="000066"/>
               </a:solidFill>
-              <a:effectLst/>
               <a:latin typeface="Microsoft JhengHei" panose="020B0604030504040204" pitchFamily="34" charset="-120"/>
               <a:ea typeface="Microsoft JhengHei" panose="020B0604030504040204" pitchFamily="34" charset="-120"/>
               <a:cs typeface="Microsoft Himalaya" panose="01010100010101010101" pitchFamily="2" charset="0"/>
